--- a/Presentation/MSDS6372_Project1_Presentation.pptx
+++ b/Presentation/MSDS6372_Project1_Presentation.pptx
@@ -1384,7 +1384,7 @@
               </a:pPr>
               <a:t>5</a:t>
             </a:fld>
-            <a:endParaRPr lang="en-US"/>
+            <a:endParaRPr lang="en-US" dirty="0"/>
           </a:p>
         </p:txBody>
       </p:sp>
@@ -1477,7 +1477,7 @@
               </a:pPr>
               <a:t>7</a:t>
             </a:fld>
-            <a:endParaRPr lang="en-US"/>
+            <a:endParaRPr lang="en-US" dirty="0"/>
           </a:p>
         </p:txBody>
       </p:sp>
@@ -1570,7 +1570,7 @@
               </a:pPr>
               <a:t>8</a:t>
             </a:fld>
-            <a:endParaRPr lang="en-US"/>
+            <a:endParaRPr lang="en-US" dirty="0"/>
           </a:p>
         </p:txBody>
       </p:sp>
@@ -1663,7 +1663,7 @@
               </a:pPr>
               <a:t>9</a:t>
             </a:fld>
-            <a:endParaRPr lang="en-US"/>
+            <a:endParaRPr lang="en-US" dirty="0"/>
           </a:p>
         </p:txBody>
       </p:sp>
@@ -1753,7 +1753,7 @@
               </a:pPr>
               <a:t>12</a:t>
             </a:fld>
-            <a:endParaRPr lang="en-US"/>
+            <a:endParaRPr lang="en-US" dirty="0"/>
           </a:p>
         </p:txBody>
       </p:sp>
@@ -1846,7 +1846,7 @@
               </a:pPr>
               <a:t>13</a:t>
             </a:fld>
-            <a:endParaRPr lang="en-US"/>
+            <a:endParaRPr lang="en-US" dirty="0"/>
           </a:p>
         </p:txBody>
       </p:sp>
@@ -1939,7 +1939,7 @@
               </a:pPr>
               <a:t>14</a:t>
             </a:fld>
-            <a:endParaRPr lang="en-US"/>
+            <a:endParaRPr lang="en-US" dirty="0"/>
           </a:p>
         </p:txBody>
       </p:sp>
@@ -10279,7 +10279,7 @@
           <a:p>
             <a:r>
               <a:rPr lang="en-US" dirty="0"/>
-              <a:t>Analyze the residual plots for issues with model assumption.</a:t>
+              <a:t>Analyze the plots for issues with model assumption.</a:t>
             </a:r>
           </a:p>
           <a:p>
@@ -11063,7 +11063,7 @@
                 <a:pPr lvl="1"/>
                 <a:r>
                   <a:rPr lang="en-US" sz="3000" dirty="0"/>
-                  <a:t>Should 2 way interactions be added to improve predictions?</a:t>
+                  <a:t>Should two-way interactions be added to improve predictions?</a:t>
                 </a:r>
               </a:p>
               <a:p>
@@ -11154,7 +11154,7 @@
               <a:blipFill>
                 <a:blip r:embed="rId3"/>
                 <a:stretch>
-                  <a:fillRect t="-2614" b="-224"/>
+                  <a:fillRect t="-2614" r="-1659" b="-224"/>
                 </a:stretch>
               </a:blipFill>
             </p:spPr>
@@ -11214,23 +11214,7 @@
                 <a:ea typeface="Cambria" panose="02040503050406030204" pitchFamily="18" charset="0"/>
                 <a:cs typeface="Times New Roman" panose="02020603050405020304" pitchFamily="18" charset="0"/>
               </a:rPr>
-              <a:t>##               Estimate Std. Error t value </a:t>
-            </a:r>
-            <a:r>
-              <a:rPr lang="en-US" sz="1200" dirty="0" err="1">
-                <a:latin typeface="Consolas" panose="020B0609020204030204" pitchFamily="49" charset="0"/>
-                <a:ea typeface="Cambria" panose="02040503050406030204" pitchFamily="18" charset="0"/>
-                <a:cs typeface="Times New Roman" panose="02020603050405020304" pitchFamily="18" charset="0"/>
-              </a:rPr>
-              <a:t>Pr</a:t>
-            </a:r>
-            <a:r>
-              <a:rPr lang="en-US" sz="1200" dirty="0">
-                <a:latin typeface="Consolas" panose="020B0609020204030204" pitchFamily="49" charset="0"/>
-                <a:ea typeface="Cambria" panose="02040503050406030204" pitchFamily="18" charset="0"/>
-                <a:cs typeface="Times New Roman" panose="02020603050405020304" pitchFamily="18" charset="0"/>
-              </a:rPr>
-              <a:t>(&gt;|t|)    </a:t>
+              <a:t>##               Estimate Std. Error t value Pr(&gt;|t|)    </a:t>
             </a:r>
             <a:br>
               <a:rPr lang="en-US" sz="1200" dirty="0">
@@ -11815,23 +11799,7 @@
                 <a:ea typeface="Cambria" panose="02040503050406030204" pitchFamily="18" charset="0"/>
                 <a:cs typeface="Times New Roman" panose="02020603050405020304" pitchFamily="18" charset="0"/>
               </a:rPr>
-              <a:t>## </a:t>
-            </a:r>
-            <a:r>
-              <a:rPr lang="en-US" sz="1200" dirty="0" err="1">
-                <a:latin typeface="Consolas" panose="020B0609020204030204" pitchFamily="49" charset="0"/>
-                <a:ea typeface="Cambria" panose="02040503050406030204" pitchFamily="18" charset="0"/>
-                <a:cs typeface="Times New Roman" panose="02020603050405020304" pitchFamily="18" charset="0"/>
-              </a:rPr>
-              <a:t>Signif</a:t>
-            </a:r>
-            <a:r>
-              <a:rPr lang="en-US" sz="1200" dirty="0">
-                <a:latin typeface="Consolas" panose="020B0609020204030204" pitchFamily="49" charset="0"/>
-                <a:ea typeface="Cambria" panose="02040503050406030204" pitchFamily="18" charset="0"/>
-                <a:cs typeface="Times New Roman" panose="02020603050405020304" pitchFamily="18" charset="0"/>
-              </a:rPr>
-              <a:t>. codes:  0 '***' 0.001 '**' 0.01 '*' 0.05 '.' 0.1 ' ' 1</a:t>
+              <a:t>## Signif. codes:  0 '***' 0.001 '**' 0.01 '*' 0.05 '.' 0.1 ' ' 1</a:t>
             </a:r>
             <a:br>
               <a:rPr lang="en-US" sz="1200" dirty="0">
@@ -11984,7 +11952,19 @@
             </a:r>
             <a:r>
               <a:rPr lang="en-US" dirty="0"/>
-              <a:t>| Residual Plots and Model Assumptions</a:t>
+              <a:t>| Plots</a:t>
+            </a:r>
+            <a:r>
+              <a:rPr lang="en-US" dirty="0">
+                <a:solidFill>
+                  <a:srgbClr val="FF0000"/>
+                </a:solidFill>
+              </a:rPr>
+              <a:t> </a:t>
+            </a:r>
+            <a:r>
+              <a:rPr lang="en-US" dirty="0"/>
+              <a:t>and Model Assumptions</a:t>
             </a:r>
           </a:p>
         </p:txBody>
@@ -12915,7 +12895,7 @@
           <a:p>
             <a:r>
               <a:rPr lang="en-US" dirty="0"/>
-              <a:t>All algorithms tried give essentially the same fit statistics.</a:t>
+              <a:t>All techniques give essentially the same fit statistics.</a:t>
             </a:r>
           </a:p>
           <a:p>
@@ -12941,15 +12921,7 @@
             </a:r>
             <a:r>
               <a:rPr lang="en-US" dirty="0"/>
-              <a:t>Backward Elimination (since it has the least </a:t>
-            </a:r>
-            <a:r>
-              <a:rPr lang="en-US" dirty="0" err="1"/>
-              <a:t>prerdictors</a:t>
-            </a:r>
-            <a:r>
-              <a:rPr lang="en-US" dirty="0"/>
-              <a:t>)</a:t>
+              <a:t>Backward Elimination (since it has the least predictors)</a:t>
             </a:r>
           </a:p>
           <a:p>
@@ -12960,8 +12932,8 @@
           </a:p>
         </p:txBody>
       </p:sp>
-      <mc:AlternateContent xmlns:mc="http://schemas.openxmlformats.org/markup-compatibility/2006">
-        <mc:Choice xmlns:a14="http://schemas.microsoft.com/office/drawing/2010/main" Requires="a14">
+      <mc:AlternateContent xmlns:mc="http://schemas.openxmlformats.org/markup-compatibility/2006" xmlns:a14="http://schemas.microsoft.com/office/drawing/2010/main">
+        <mc:Choice Requires="a14">
           <p:graphicFrame>
             <p:nvGraphicFramePr>
               <p:cNvPr id="4" name="Table 3">
@@ -13139,6 +13111,7 @@
                         <a:bodyPr/>
                         <a:lstStyle/>
                         <a:p>
+                          <a:pPr/>
                           <a14:m>
                             <m:oMathPara xmlns:m="http://schemas.openxmlformats.org/officeDocument/2006/math">
                               <m:oMathParaPr>
@@ -13814,7 +13787,7 @@
             </a:graphic>
           </p:graphicFrame>
         </mc:Choice>
-        <mc:Fallback>
+        <mc:Fallback xmlns="">
           <p:graphicFrame>
             <p:nvGraphicFramePr>
               <p:cNvPr id="4" name="Table 3">
@@ -14648,8 +14621,8 @@
           </a:p>
         </p:txBody>
       </p:sp>
-      <mc:AlternateContent xmlns:mc="http://schemas.openxmlformats.org/markup-compatibility/2006">
-        <mc:Choice xmlns:a14="http://schemas.microsoft.com/office/drawing/2010/main" Requires="a14">
+      <mc:AlternateContent xmlns:mc="http://schemas.openxmlformats.org/markup-compatibility/2006" xmlns:a14="http://schemas.microsoft.com/office/drawing/2010/main">
+        <mc:Choice Requires="a14">
           <p:sp>
             <p:nvSpPr>
               <p:cNvPr id="3" name="Text Placeholder 2">
@@ -14773,7 +14746,7 @@
             </p:txBody>
           </p:sp>
         </mc:Choice>
-        <mc:Fallback>
+        <mc:Fallback xmlns="">
           <p:sp>
             <p:nvSpPr>
               <p:cNvPr id="3" name="Text Placeholder 2">
@@ -14837,7 +14810,7 @@
         </p:blipFill>
         <p:spPr bwMode="auto">
           <a:xfrm>
-            <a:off x="4845162" y="3568458"/>
+            <a:off x="4845162" y="3748626"/>
             <a:ext cx="9027887" cy="6201059"/>
           </a:xfrm>
           <a:prstGeom prst="rect">
@@ -19416,7 +19389,7 @@
             <a:pPr lvl="2"/>
             <a:r>
               <a:rPr lang="en-US" dirty="0"/>
-              <a:t>Target accuracy: +/- 10% required, but +/- 15% would be acceptable also</a:t>
+              <a:t>Target accuracy: +/- 10% desired, but +/- 15% would be acceptable also</a:t>
             </a:r>
           </a:p>
           <a:p>
@@ -19605,7 +19578,7 @@
             </a:r>
             <a:r>
               <a:rPr lang="en-US" dirty="0"/>
-              <a:t> from their design space (since engineers can select any values from range</a:t>
+              <a:t> from their design space (since engineers can select any values from range)</a:t>
             </a:r>
           </a:p>
           <a:p>
@@ -20249,12 +20222,12 @@
                         </a:spcAft>
                       </a:pPr>
                       <a:r>
-                        <a:rPr lang="en-US" sz="1600">
+                        <a:rPr lang="en-US" sz="1600" dirty="0">
                           <a:effectLst/>
                         </a:rPr>
                         <a:t>x2</a:t>
                       </a:r>
-                      <a:endParaRPr lang="en-US" sz="1600">
+                      <a:endParaRPr lang="en-US" sz="1600" dirty="0">
                         <a:effectLst/>
                         <a:latin typeface="Cambria" panose="02040503050406030204" pitchFamily="18" charset="0"/>
                         <a:ea typeface="Cambria" panose="02040503050406030204" pitchFamily="18" charset="0"/>
@@ -20278,12 +20251,12 @@
                         </a:spcAft>
                       </a:pPr>
                       <a:r>
-                        <a:rPr lang="en-US" sz="1600">
+                        <a:rPr lang="en-US" sz="1600" dirty="0">
                           <a:effectLst/>
                         </a:rPr>
                         <a:t>x3</a:t>
                       </a:r>
-                      <a:endParaRPr lang="en-US" sz="1600">
+                      <a:endParaRPr lang="en-US" sz="1600" dirty="0">
                         <a:effectLst/>
                         <a:latin typeface="Cambria" panose="02040503050406030204" pitchFamily="18" charset="0"/>
                         <a:ea typeface="Cambria" panose="02040503050406030204" pitchFamily="18" charset="0"/>
@@ -20307,12 +20280,12 @@
                         </a:spcAft>
                       </a:pPr>
                       <a:r>
-                        <a:rPr lang="en-US" sz="1600">
+                        <a:rPr lang="en-US" sz="1600" dirty="0">
                           <a:effectLst/>
                         </a:rPr>
                         <a:t>x4</a:t>
                       </a:r>
-                      <a:endParaRPr lang="en-US" sz="1600">
+                      <a:endParaRPr lang="en-US" sz="1600" dirty="0">
                         <a:effectLst/>
                         <a:latin typeface="Cambria" panose="02040503050406030204" pitchFamily="18" charset="0"/>
                         <a:ea typeface="Cambria" panose="02040503050406030204" pitchFamily="18" charset="0"/>
@@ -20336,12 +20309,12 @@
                         </a:spcAft>
                       </a:pPr>
                       <a:r>
-                        <a:rPr lang="en-US" sz="1600">
+                        <a:rPr lang="en-US" sz="1600" dirty="0">
                           <a:effectLst/>
                         </a:rPr>
                         <a:t>x5</a:t>
                       </a:r>
-                      <a:endParaRPr lang="en-US" sz="1600">
+                      <a:endParaRPr lang="en-US" sz="1600" dirty="0">
                         <a:effectLst/>
                         <a:latin typeface="Cambria" panose="02040503050406030204" pitchFamily="18" charset="0"/>
                         <a:ea typeface="Cambria" panose="02040503050406030204" pitchFamily="18" charset="0"/>
@@ -20365,12 +20338,12 @@
                         </a:spcAft>
                       </a:pPr>
                       <a:r>
-                        <a:rPr lang="en-US" sz="1600">
+                        <a:rPr lang="en-US" sz="1600" dirty="0">
                           <a:effectLst/>
                         </a:rPr>
                         <a:t>x6</a:t>
                       </a:r>
-                      <a:endParaRPr lang="en-US" sz="1600">
+                      <a:endParaRPr lang="en-US" sz="1600" dirty="0">
                         <a:effectLst/>
                         <a:latin typeface="Cambria" panose="02040503050406030204" pitchFamily="18" charset="0"/>
                         <a:ea typeface="Cambria" panose="02040503050406030204" pitchFamily="18" charset="0"/>
@@ -20394,12 +20367,12 @@
                         </a:spcAft>
                       </a:pPr>
                       <a:r>
-                        <a:rPr lang="en-US" sz="1600">
+                        <a:rPr lang="en-US" sz="1600" dirty="0">
                           <a:effectLst/>
                         </a:rPr>
                         <a:t>x7</a:t>
                       </a:r>
-                      <a:endParaRPr lang="en-US" sz="1600">
+                      <a:endParaRPr lang="en-US" sz="1600" dirty="0">
                         <a:effectLst/>
                         <a:latin typeface="Cambria" panose="02040503050406030204" pitchFamily="18" charset="0"/>
                         <a:ea typeface="Cambria" panose="02040503050406030204" pitchFamily="18" charset="0"/>
@@ -20423,12 +20396,12 @@
                         </a:spcAft>
                       </a:pPr>
                       <a:r>
-                        <a:rPr lang="en-US" sz="1600">
+                        <a:rPr lang="en-US" sz="1600" dirty="0">
                           <a:effectLst/>
                         </a:rPr>
                         <a:t>x8</a:t>
                       </a:r>
-                      <a:endParaRPr lang="en-US" sz="1600">
+                      <a:endParaRPr lang="en-US" sz="1600" dirty="0">
                         <a:effectLst/>
                         <a:latin typeface="Cambria" panose="02040503050406030204" pitchFamily="18" charset="0"/>
                         <a:ea typeface="Cambria" panose="02040503050406030204" pitchFamily="18" charset="0"/>
@@ -20452,12 +20425,12 @@
                         </a:spcAft>
                       </a:pPr>
                       <a:r>
-                        <a:rPr lang="en-US" sz="1600">
+                        <a:rPr lang="en-US" sz="1600" dirty="0">
                           <a:effectLst/>
                         </a:rPr>
                         <a:t>x9</a:t>
                       </a:r>
-                      <a:endParaRPr lang="en-US" sz="1600">
+                      <a:endParaRPr lang="en-US" sz="1600" dirty="0">
                         <a:effectLst/>
                         <a:latin typeface="Cambria" panose="02040503050406030204" pitchFamily="18" charset="0"/>
                         <a:ea typeface="Cambria" panose="02040503050406030204" pitchFamily="18" charset="0"/>
@@ -20481,12 +20454,12 @@
                         </a:spcAft>
                       </a:pPr>
                       <a:r>
-                        <a:rPr lang="en-US" sz="1600">
+                        <a:rPr lang="en-US" sz="1600" dirty="0">
                           <a:effectLst/>
                         </a:rPr>
                         <a:t>x10</a:t>
                       </a:r>
-                      <a:endParaRPr lang="en-US" sz="1600">
+                      <a:endParaRPr lang="en-US" sz="1600" dirty="0">
                         <a:effectLst/>
                         <a:latin typeface="Cambria" panose="02040503050406030204" pitchFamily="18" charset="0"/>
                         <a:ea typeface="Cambria" panose="02040503050406030204" pitchFamily="18" charset="0"/>
@@ -20517,12 +20490,12 @@
                         </a:spcAft>
                       </a:pPr>
                       <a:r>
-                        <a:rPr lang="en-US" sz="1600">
+                        <a:rPr lang="en-US" sz="1600" dirty="0">
                           <a:effectLst/>
                         </a:rPr>
                         <a:t>x1</a:t>
                       </a:r>
-                      <a:endParaRPr lang="en-US" sz="1600">
+                      <a:endParaRPr lang="en-US" sz="1600" dirty="0">
                         <a:effectLst/>
                         <a:latin typeface="Cambria" panose="02040503050406030204" pitchFamily="18" charset="0"/>
                         <a:ea typeface="Cambria" panose="02040503050406030204" pitchFamily="18" charset="0"/>
@@ -20546,12 +20519,12 @@
                         </a:spcAft>
                       </a:pPr>
                       <a:r>
-                        <a:rPr lang="en-US" sz="1600">
+                        <a:rPr lang="en-US" sz="1600" dirty="0">
                           <a:effectLst/>
                         </a:rPr>
                         <a:t>1.0000</a:t>
                       </a:r>
-                      <a:endParaRPr lang="en-US" sz="1600">
+                      <a:endParaRPr lang="en-US" sz="1600" dirty="0">
                         <a:effectLst/>
                         <a:latin typeface="Cambria" panose="02040503050406030204" pitchFamily="18" charset="0"/>
                         <a:ea typeface="Cambria" panose="02040503050406030204" pitchFamily="18" charset="0"/>
@@ -20604,12 +20577,12 @@
                         </a:spcAft>
                       </a:pPr>
                       <a:r>
-                        <a:rPr lang="en-US" sz="1600">
+                        <a:rPr lang="en-US" sz="1600" dirty="0">
                           <a:effectLst/>
                         </a:rPr>
                         <a:t>-0.0028</a:t>
                       </a:r>
-                      <a:endParaRPr lang="en-US" sz="1600">
+                      <a:endParaRPr lang="en-US" sz="1600" dirty="0">
                         <a:effectLst/>
                         <a:latin typeface="Cambria" panose="02040503050406030204" pitchFamily="18" charset="0"/>
                         <a:ea typeface="Cambria" panose="02040503050406030204" pitchFamily="18" charset="0"/>
@@ -20633,12 +20606,12 @@
                         </a:spcAft>
                       </a:pPr>
                       <a:r>
-                        <a:rPr lang="en-US" sz="1600">
+                        <a:rPr lang="en-US" sz="1600" dirty="0">
                           <a:effectLst/>
                         </a:rPr>
                         <a:t>0.0085</a:t>
                       </a:r>
-                      <a:endParaRPr lang="en-US" sz="1600">
+                      <a:endParaRPr lang="en-US" sz="1600" dirty="0">
                         <a:effectLst/>
                         <a:latin typeface="Cambria" panose="02040503050406030204" pitchFamily="18" charset="0"/>
                         <a:ea typeface="Cambria" panose="02040503050406030204" pitchFamily="18" charset="0"/>
@@ -20662,12 +20635,12 @@
                         </a:spcAft>
                       </a:pPr>
                       <a:r>
-                        <a:rPr lang="en-US" sz="1600">
+                        <a:rPr lang="en-US" sz="1600" dirty="0">
                           <a:effectLst/>
                         </a:rPr>
                         <a:t>0.0068</a:t>
                       </a:r>
-                      <a:endParaRPr lang="en-US" sz="1600">
+                      <a:endParaRPr lang="en-US" sz="1600" dirty="0">
                         <a:effectLst/>
                         <a:latin typeface="Cambria" panose="02040503050406030204" pitchFamily="18" charset="0"/>
                         <a:ea typeface="Cambria" panose="02040503050406030204" pitchFamily="18" charset="0"/>
@@ -20691,12 +20664,12 @@
                         </a:spcAft>
                       </a:pPr>
                       <a:r>
-                        <a:rPr lang="en-US" sz="1600">
+                        <a:rPr lang="en-US" sz="1600" dirty="0">
                           <a:effectLst/>
                         </a:rPr>
                         <a:t>0.0159</a:t>
                       </a:r>
-                      <a:endParaRPr lang="en-US" sz="1600">
+                      <a:endParaRPr lang="en-US" sz="1600" dirty="0">
                         <a:effectLst/>
                         <a:latin typeface="Cambria" panose="02040503050406030204" pitchFamily="18" charset="0"/>
                         <a:ea typeface="Cambria" panose="02040503050406030204" pitchFamily="18" charset="0"/>
@@ -20720,12 +20693,12 @@
                         </a:spcAft>
                       </a:pPr>
                       <a:r>
-                        <a:rPr lang="en-US" sz="1600">
+                        <a:rPr lang="en-US" sz="1600" dirty="0">
                           <a:effectLst/>
                         </a:rPr>
                         <a:t>0.0264</a:t>
                       </a:r>
-                      <a:endParaRPr lang="en-US" sz="1600">
+                      <a:endParaRPr lang="en-US" sz="1600" dirty="0">
                         <a:effectLst/>
                         <a:latin typeface="Cambria" panose="02040503050406030204" pitchFamily="18" charset="0"/>
                         <a:ea typeface="Cambria" panose="02040503050406030204" pitchFamily="18" charset="0"/>
@@ -20749,12 +20722,12 @@
                         </a:spcAft>
                       </a:pPr>
                       <a:r>
-                        <a:rPr lang="en-US" sz="1600">
+                        <a:rPr lang="en-US" sz="1600" dirty="0">
                           <a:effectLst/>
                         </a:rPr>
                         <a:t>-0.0012</a:t>
                       </a:r>
-                      <a:endParaRPr lang="en-US" sz="1600">
+                      <a:endParaRPr lang="en-US" sz="1600" dirty="0">
                         <a:effectLst/>
                         <a:latin typeface="Cambria" panose="02040503050406030204" pitchFamily="18" charset="0"/>
                         <a:ea typeface="Cambria" panose="02040503050406030204" pitchFamily="18" charset="0"/>
@@ -20778,12 +20751,12 @@
                         </a:spcAft>
                       </a:pPr>
                       <a:r>
-                        <a:rPr lang="en-US" sz="1600">
+                        <a:rPr lang="en-US" sz="1600" dirty="0">
                           <a:effectLst/>
                         </a:rPr>
                         <a:t>0.0142</a:t>
                       </a:r>
-                      <a:endParaRPr lang="en-US" sz="1600">
+                      <a:endParaRPr lang="en-US" sz="1600" dirty="0">
                         <a:effectLst/>
                         <a:latin typeface="Cambria" panose="02040503050406030204" pitchFamily="18" charset="0"/>
                         <a:ea typeface="Cambria" panose="02040503050406030204" pitchFamily="18" charset="0"/>
@@ -20807,12 +20780,12 @@
                         </a:spcAft>
                       </a:pPr>
                       <a:r>
-                        <a:rPr lang="en-US" sz="1600">
+                        <a:rPr lang="en-US" sz="1600" dirty="0">
                           <a:effectLst/>
                         </a:rPr>
                         <a:t>0.0013</a:t>
                       </a:r>
-                      <a:endParaRPr lang="en-US" sz="1600">
+                      <a:endParaRPr lang="en-US" sz="1600" dirty="0">
                         <a:effectLst/>
                         <a:latin typeface="Cambria" panose="02040503050406030204" pitchFamily="18" charset="0"/>
                         <a:ea typeface="Cambria" panose="02040503050406030204" pitchFamily="18" charset="0"/>
@@ -20843,12 +20816,12 @@
                         </a:spcAft>
                       </a:pPr>
                       <a:r>
-                        <a:rPr lang="en-US" sz="1600">
+                        <a:rPr lang="en-US" sz="1600" dirty="0">
                           <a:effectLst/>
                         </a:rPr>
                         <a:t>x2</a:t>
                       </a:r>
-                      <a:endParaRPr lang="en-US" sz="1600">
+                      <a:endParaRPr lang="en-US" sz="1600" dirty="0">
                         <a:effectLst/>
                         <a:latin typeface="Cambria" panose="02040503050406030204" pitchFamily="18" charset="0"/>
                         <a:ea typeface="Cambria" panose="02040503050406030204" pitchFamily="18" charset="0"/>
@@ -20872,12 +20845,12 @@
                         </a:spcAft>
                       </a:pPr>
                       <a:r>
-                        <a:rPr lang="en-US" sz="1600">
+                        <a:rPr lang="en-US" sz="1600" dirty="0">
                           <a:effectLst/>
                         </a:rPr>
                         <a:t>0.0034</a:t>
                       </a:r>
-                      <a:endParaRPr lang="en-US" sz="1600">
+                      <a:endParaRPr lang="en-US" sz="1600" dirty="0">
                         <a:effectLst/>
                         <a:latin typeface="Cambria" panose="02040503050406030204" pitchFamily="18" charset="0"/>
                         <a:ea typeface="Cambria" panose="02040503050406030204" pitchFamily="18" charset="0"/>
@@ -20930,12 +20903,12 @@
                         </a:spcAft>
                       </a:pPr>
                       <a:r>
-                        <a:rPr lang="en-US" sz="1600">
+                        <a:rPr lang="en-US" sz="1600" dirty="0">
                           <a:effectLst/>
                         </a:rPr>
                         <a:t>-0.0057</a:t>
                       </a:r>
-                      <a:endParaRPr lang="en-US" sz="1600">
+                      <a:endParaRPr lang="en-US" sz="1600" dirty="0">
                         <a:effectLst/>
                         <a:latin typeface="Cambria" panose="02040503050406030204" pitchFamily="18" charset="0"/>
                         <a:ea typeface="Cambria" panose="02040503050406030204" pitchFamily="18" charset="0"/>
@@ -20959,12 +20932,12 @@
                         </a:spcAft>
                       </a:pPr>
                       <a:r>
-                        <a:rPr lang="en-US" sz="1600">
+                        <a:rPr lang="en-US" sz="1600" dirty="0">
                           <a:effectLst/>
                         </a:rPr>
                         <a:t>0.0004</a:t>
                       </a:r>
-                      <a:endParaRPr lang="en-US" sz="1600">
+                      <a:endParaRPr lang="en-US" sz="1600" dirty="0">
                         <a:effectLst/>
                         <a:latin typeface="Cambria" panose="02040503050406030204" pitchFamily="18" charset="0"/>
                         <a:ea typeface="Cambria" panose="02040503050406030204" pitchFamily="18" charset="0"/>
@@ -20988,12 +20961,12 @@
                         </a:spcAft>
                       </a:pPr>
                       <a:r>
-                        <a:rPr lang="en-US" sz="1600">
+                        <a:rPr lang="en-US" sz="1600" dirty="0">
                           <a:effectLst/>
                         </a:rPr>
                         <a:t>-0.0094</a:t>
                       </a:r>
-                      <a:endParaRPr lang="en-US" sz="1600">
+                      <a:endParaRPr lang="en-US" sz="1600" dirty="0">
                         <a:effectLst/>
                         <a:latin typeface="Cambria" panose="02040503050406030204" pitchFamily="18" charset="0"/>
                         <a:ea typeface="Cambria" panose="02040503050406030204" pitchFamily="18" charset="0"/>
@@ -21017,12 +20990,12 @@
                         </a:spcAft>
                       </a:pPr>
                       <a:r>
-                        <a:rPr lang="en-US" sz="1600">
+                        <a:rPr lang="en-US" sz="1600" dirty="0">
                           <a:effectLst/>
                         </a:rPr>
                         <a:t>-0.0101</a:t>
                       </a:r>
-                      <a:endParaRPr lang="en-US" sz="1600">
+                      <a:endParaRPr lang="en-US" sz="1600" dirty="0">
                         <a:effectLst/>
                         <a:latin typeface="Cambria" panose="02040503050406030204" pitchFamily="18" charset="0"/>
                         <a:ea typeface="Cambria" panose="02040503050406030204" pitchFamily="18" charset="0"/>
@@ -21046,12 +21019,12 @@
                         </a:spcAft>
                       </a:pPr>
                       <a:r>
-                        <a:rPr lang="en-US" sz="1600">
+                        <a:rPr lang="en-US" sz="1600" dirty="0">
                           <a:effectLst/>
                         </a:rPr>
                         <a:t>0.0089</a:t>
                       </a:r>
-                      <a:endParaRPr lang="en-US" sz="1600">
+                      <a:endParaRPr lang="en-US" sz="1600" dirty="0">
                         <a:effectLst/>
                         <a:latin typeface="Cambria" panose="02040503050406030204" pitchFamily="18" charset="0"/>
                         <a:ea typeface="Cambria" panose="02040503050406030204" pitchFamily="18" charset="0"/>
@@ -21075,12 +21048,12 @@
                         </a:spcAft>
                       </a:pPr>
                       <a:r>
-                        <a:rPr lang="en-US" sz="1600">
+                        <a:rPr lang="en-US" sz="1600" dirty="0">
                           <a:effectLst/>
                         </a:rPr>
                         <a:t>0.0078</a:t>
                       </a:r>
-                      <a:endParaRPr lang="en-US" sz="1600">
+                      <a:endParaRPr lang="en-US" sz="1600" dirty="0">
                         <a:effectLst/>
                         <a:latin typeface="Cambria" panose="02040503050406030204" pitchFamily="18" charset="0"/>
                         <a:ea typeface="Cambria" panose="02040503050406030204" pitchFamily="18" charset="0"/>
@@ -21104,12 +21077,12 @@
                         </a:spcAft>
                       </a:pPr>
                       <a:r>
-                        <a:rPr lang="en-US" sz="1600">
+                        <a:rPr lang="en-US" sz="1600" dirty="0">
                           <a:effectLst/>
                         </a:rPr>
                         <a:t>0.0049</a:t>
                       </a:r>
-                      <a:endParaRPr lang="en-US" sz="1600">
+                      <a:endParaRPr lang="en-US" sz="1600" dirty="0">
                         <a:effectLst/>
                         <a:latin typeface="Cambria" panose="02040503050406030204" pitchFamily="18" charset="0"/>
                         <a:ea typeface="Cambria" panose="02040503050406030204" pitchFamily="18" charset="0"/>
@@ -21133,12 +21106,12 @@
                         </a:spcAft>
                       </a:pPr>
                       <a:r>
-                        <a:rPr lang="en-US" sz="1600">
+                        <a:rPr lang="en-US" sz="1600" dirty="0">
                           <a:effectLst/>
                         </a:rPr>
                         <a:t>-0.0214</a:t>
                       </a:r>
-                      <a:endParaRPr lang="en-US" sz="1600">
+                      <a:endParaRPr lang="en-US" sz="1600" dirty="0">
                         <a:effectLst/>
                         <a:latin typeface="Cambria" panose="02040503050406030204" pitchFamily="18" charset="0"/>
                         <a:ea typeface="Cambria" panose="02040503050406030204" pitchFamily="18" charset="0"/>
@@ -21169,12 +21142,12 @@
                         </a:spcAft>
                       </a:pPr>
                       <a:r>
-                        <a:rPr lang="en-US" sz="1600">
+                        <a:rPr lang="en-US" sz="1600" dirty="0">
                           <a:effectLst/>
                         </a:rPr>
                         <a:t>x3</a:t>
                       </a:r>
-                      <a:endParaRPr lang="en-US" sz="1600">
+                      <a:endParaRPr lang="en-US" sz="1600" dirty="0">
                         <a:effectLst/>
                         <a:latin typeface="Cambria" panose="02040503050406030204" pitchFamily="18" charset="0"/>
                         <a:ea typeface="Cambria" panose="02040503050406030204" pitchFamily="18" charset="0"/>
@@ -21198,12 +21171,12 @@
                         </a:spcAft>
                       </a:pPr>
                       <a:r>
-                        <a:rPr lang="en-US" sz="1600">
+                        <a:rPr lang="en-US" sz="1600" dirty="0">
                           <a:effectLst/>
                         </a:rPr>
                         <a:t>-0.0028</a:t>
                       </a:r>
-                      <a:endParaRPr lang="en-US" sz="1600">
+                      <a:endParaRPr lang="en-US" sz="1600" dirty="0">
                         <a:effectLst/>
                         <a:latin typeface="Cambria" panose="02040503050406030204" pitchFamily="18" charset="0"/>
                         <a:ea typeface="Cambria" panose="02040503050406030204" pitchFamily="18" charset="0"/>
@@ -21227,12 +21200,12 @@
                         </a:spcAft>
                       </a:pPr>
                       <a:r>
-                        <a:rPr lang="en-US" sz="1600">
+                        <a:rPr lang="en-US" sz="1600" dirty="0">
                           <a:effectLst/>
                         </a:rPr>
                         <a:t>-0.0057</a:t>
                       </a:r>
-                      <a:endParaRPr lang="en-US" sz="1600">
+                      <a:endParaRPr lang="en-US" sz="1600" dirty="0">
                         <a:effectLst/>
                         <a:latin typeface="Cambria" panose="02040503050406030204" pitchFamily="18" charset="0"/>
                         <a:ea typeface="Cambria" panose="02040503050406030204" pitchFamily="18" charset="0"/>
@@ -21256,12 +21229,12 @@
                         </a:spcAft>
                       </a:pPr>
                       <a:r>
-                        <a:rPr lang="en-US" sz="1600">
+                        <a:rPr lang="en-US" sz="1600" dirty="0">
                           <a:effectLst/>
                         </a:rPr>
                         <a:t>1.0000</a:t>
                       </a:r>
-                      <a:endParaRPr lang="en-US" sz="1600">
+                      <a:endParaRPr lang="en-US" sz="1600" dirty="0">
                         <a:effectLst/>
                         <a:latin typeface="Cambria" panose="02040503050406030204" pitchFamily="18" charset="0"/>
                         <a:ea typeface="Cambria" panose="02040503050406030204" pitchFamily="18" charset="0"/>
@@ -21285,12 +21258,12 @@
                         </a:spcAft>
                       </a:pPr>
                       <a:r>
-                        <a:rPr lang="en-US" sz="1600">
+                        <a:rPr lang="en-US" sz="1600" dirty="0">
                           <a:effectLst/>
                         </a:rPr>
                         <a:t>0.0029</a:t>
                       </a:r>
-                      <a:endParaRPr lang="en-US" sz="1600">
+                      <a:endParaRPr lang="en-US" sz="1600" dirty="0">
                         <a:effectLst/>
                         <a:latin typeface="Cambria" panose="02040503050406030204" pitchFamily="18" charset="0"/>
                         <a:ea typeface="Cambria" panose="02040503050406030204" pitchFamily="18" charset="0"/>
@@ -21314,12 +21287,12 @@
                         </a:spcAft>
                       </a:pPr>
                       <a:r>
-                        <a:rPr lang="en-US" sz="1600">
+                        <a:rPr lang="en-US" sz="1600" dirty="0">
                           <a:effectLst/>
                         </a:rPr>
                         <a:t>0.0046</a:t>
                       </a:r>
-                      <a:endParaRPr lang="en-US" sz="1600">
+                      <a:endParaRPr lang="en-US" sz="1600" dirty="0">
                         <a:effectLst/>
                         <a:latin typeface="Cambria" panose="02040503050406030204" pitchFamily="18" charset="0"/>
                         <a:ea typeface="Cambria" panose="02040503050406030204" pitchFamily="18" charset="0"/>
@@ -21343,12 +21316,12 @@
                         </a:spcAft>
                       </a:pPr>
                       <a:r>
-                        <a:rPr lang="en-US" sz="1600">
+                        <a:rPr lang="en-US" sz="1600" dirty="0">
                           <a:effectLst/>
                         </a:rPr>
                         <a:t>0.0006</a:t>
                       </a:r>
-                      <a:endParaRPr lang="en-US" sz="1600">
+                      <a:endParaRPr lang="en-US" sz="1600" dirty="0">
                         <a:effectLst/>
                         <a:latin typeface="Cambria" panose="02040503050406030204" pitchFamily="18" charset="0"/>
                         <a:ea typeface="Cambria" panose="02040503050406030204" pitchFamily="18" charset="0"/>
@@ -21372,12 +21345,12 @@
                         </a:spcAft>
                       </a:pPr>
                       <a:r>
-                        <a:rPr lang="en-US" sz="1600">
+                        <a:rPr lang="en-US" sz="1600" dirty="0">
                           <a:effectLst/>
                         </a:rPr>
                         <a:t>-0.0105</a:t>
                       </a:r>
-                      <a:endParaRPr lang="en-US" sz="1600">
+                      <a:endParaRPr lang="en-US" sz="1600" dirty="0">
                         <a:effectLst/>
                         <a:latin typeface="Cambria" panose="02040503050406030204" pitchFamily="18" charset="0"/>
                         <a:ea typeface="Cambria" panose="02040503050406030204" pitchFamily="18" charset="0"/>
@@ -21401,12 +21374,12 @@
                         </a:spcAft>
                       </a:pPr>
                       <a:r>
-                        <a:rPr lang="en-US" sz="1600">
+                        <a:rPr lang="en-US" sz="1600" dirty="0">
                           <a:effectLst/>
                         </a:rPr>
                         <a:t>-0.0002</a:t>
                       </a:r>
-                      <a:endParaRPr lang="en-US" sz="1600">
+                      <a:endParaRPr lang="en-US" sz="1600" dirty="0">
                         <a:effectLst/>
                         <a:latin typeface="Cambria" panose="02040503050406030204" pitchFamily="18" charset="0"/>
                         <a:ea typeface="Cambria" panose="02040503050406030204" pitchFamily="18" charset="0"/>
@@ -21430,12 +21403,12 @@
                         </a:spcAft>
                       </a:pPr>
                       <a:r>
-                        <a:rPr lang="en-US" sz="1600">
+                        <a:rPr lang="en-US" sz="1600" dirty="0">
                           <a:effectLst/>
                         </a:rPr>
                         <a:t>0.0167</a:t>
                       </a:r>
-                      <a:endParaRPr lang="en-US" sz="1600">
+                      <a:endParaRPr lang="en-US" sz="1600" dirty="0">
                         <a:effectLst/>
                         <a:latin typeface="Cambria" panose="02040503050406030204" pitchFamily="18" charset="0"/>
                         <a:ea typeface="Cambria" panose="02040503050406030204" pitchFamily="18" charset="0"/>
@@ -21459,12 +21432,12 @@
                         </a:spcAft>
                       </a:pPr>
                       <a:r>
-                        <a:rPr lang="en-US" sz="1600">
+                        <a:rPr lang="en-US" sz="1600" dirty="0">
                           <a:effectLst/>
                         </a:rPr>
                         <a:t>-0.0137</a:t>
                       </a:r>
-                      <a:endParaRPr lang="en-US" sz="1600">
+                      <a:endParaRPr lang="en-US" sz="1600" dirty="0">
                         <a:effectLst/>
                         <a:latin typeface="Cambria" panose="02040503050406030204" pitchFamily="18" charset="0"/>
                         <a:ea typeface="Cambria" panose="02040503050406030204" pitchFamily="18" charset="0"/>
@@ -21495,12 +21468,12 @@
                         </a:spcAft>
                       </a:pPr>
                       <a:r>
-                        <a:rPr lang="en-US" sz="1600">
+                        <a:rPr lang="en-US" sz="1600" dirty="0">
                           <a:effectLst/>
                         </a:rPr>
                         <a:t>x4</a:t>
                       </a:r>
-                      <a:endParaRPr lang="en-US" sz="1600">
+                      <a:endParaRPr lang="en-US" sz="1600" dirty="0">
                         <a:effectLst/>
                         <a:latin typeface="Cambria" panose="02040503050406030204" pitchFamily="18" charset="0"/>
                         <a:ea typeface="Cambria" panose="02040503050406030204" pitchFamily="18" charset="0"/>
@@ -21553,12 +21526,12 @@
                         </a:spcAft>
                       </a:pPr>
                       <a:r>
-                        <a:rPr lang="en-US" sz="1600">
+                        <a:rPr lang="en-US" sz="1600" dirty="0">
                           <a:effectLst/>
                         </a:rPr>
                         <a:t>0.0004</a:t>
                       </a:r>
-                      <a:endParaRPr lang="en-US" sz="1600">
+                      <a:endParaRPr lang="en-US" sz="1600" dirty="0">
                         <a:effectLst/>
                         <a:latin typeface="Cambria" panose="02040503050406030204" pitchFamily="18" charset="0"/>
                         <a:ea typeface="Cambria" panose="02040503050406030204" pitchFamily="18" charset="0"/>
@@ -21611,12 +21584,12 @@
                         </a:spcAft>
                       </a:pPr>
                       <a:r>
-                        <a:rPr lang="en-US" sz="1600">
+                        <a:rPr lang="en-US" sz="1600" dirty="0">
                           <a:effectLst/>
                         </a:rPr>
                         <a:t>1.0000</a:t>
                       </a:r>
-                      <a:endParaRPr lang="en-US" sz="1600">
+                      <a:endParaRPr lang="en-US" sz="1600" dirty="0">
                         <a:effectLst/>
                         <a:latin typeface="Cambria" panose="02040503050406030204" pitchFamily="18" charset="0"/>
                         <a:ea typeface="Cambria" panose="02040503050406030204" pitchFamily="18" charset="0"/>
@@ -21640,606 +21613,12 @@
                         </a:spcAft>
                       </a:pPr>
                       <a:r>
-                        <a:rPr lang="en-US" sz="1600">
+                        <a:rPr lang="en-US" sz="1600" dirty="0">
                           <a:effectLst/>
                         </a:rPr>
                         <a:t>-0.0059</a:t>
                       </a:r>
-                      <a:endParaRPr lang="en-US" sz="1600">
-                        <a:effectLst/>
-                        <a:latin typeface="Cambria" panose="02040503050406030204" pitchFamily="18" charset="0"/>
-                        <a:ea typeface="Cambria" panose="02040503050406030204" pitchFamily="18" charset="0"/>
-                        <a:cs typeface="Times New Roman" panose="02020603050405020304" pitchFamily="18" charset="0"/>
-                      </a:endParaRPr>
-                    </a:p>
-                  </a:txBody>
-                  <a:tcPr marL="68580" marR="68580" marT="0" marB="0"/>
-                </a:tc>
-                <a:tc>
-                  <a:txBody>
-                    <a:bodyPr/>
-                    <a:lstStyle/>
-                    <a:p>
-                      <a:pPr marL="0" marR="0" algn="r">
-                        <a:spcBef>
-                          <a:spcPts val="0"/>
-                        </a:spcBef>
-                        <a:spcAft>
-                          <a:spcPts val="0"/>
-                        </a:spcAft>
-                      </a:pPr>
-                      <a:r>
-                        <a:rPr lang="en-US" sz="1600">
-                          <a:effectLst/>
-                        </a:rPr>
-                        <a:t>0.0104</a:t>
-                      </a:r>
-                      <a:endParaRPr lang="en-US" sz="1600">
-                        <a:effectLst/>
-                        <a:latin typeface="Cambria" panose="02040503050406030204" pitchFamily="18" charset="0"/>
-                        <a:ea typeface="Cambria" panose="02040503050406030204" pitchFamily="18" charset="0"/>
-                        <a:cs typeface="Times New Roman" panose="02020603050405020304" pitchFamily="18" charset="0"/>
-                      </a:endParaRPr>
-                    </a:p>
-                  </a:txBody>
-                  <a:tcPr marL="68580" marR="68580" marT="0" marB="0"/>
-                </a:tc>
-                <a:tc>
-                  <a:txBody>
-                    <a:bodyPr/>
-                    <a:lstStyle/>
-                    <a:p>
-                      <a:pPr marL="0" marR="0" algn="r">
-                        <a:spcBef>
-                          <a:spcPts val="0"/>
-                        </a:spcBef>
-                        <a:spcAft>
-                          <a:spcPts val="0"/>
-                        </a:spcAft>
-                      </a:pPr>
-                      <a:r>
-                        <a:rPr lang="en-US" sz="1600">
-                          <a:effectLst/>
-                        </a:rPr>
-                        <a:t>0.0098</a:t>
-                      </a:r>
-                      <a:endParaRPr lang="en-US" sz="1600">
-                        <a:effectLst/>
-                        <a:latin typeface="Cambria" panose="02040503050406030204" pitchFamily="18" charset="0"/>
-                        <a:ea typeface="Cambria" panose="02040503050406030204" pitchFamily="18" charset="0"/>
-                        <a:cs typeface="Times New Roman" panose="02020603050405020304" pitchFamily="18" charset="0"/>
-                      </a:endParaRPr>
-                    </a:p>
-                  </a:txBody>
-                  <a:tcPr marL="68580" marR="68580" marT="0" marB="0"/>
-                </a:tc>
-                <a:tc>
-                  <a:txBody>
-                    <a:bodyPr/>
-                    <a:lstStyle/>
-                    <a:p>
-                      <a:pPr marL="0" marR="0" algn="r">
-                        <a:spcBef>
-                          <a:spcPts val="0"/>
-                        </a:spcBef>
-                        <a:spcAft>
-                          <a:spcPts val="0"/>
-                        </a:spcAft>
-                      </a:pPr>
-                      <a:r>
-                        <a:rPr lang="en-US" sz="1600">
-                          <a:effectLst/>
-                        </a:rPr>
-                        <a:t>0.0053</a:t>
-                      </a:r>
-                      <a:endParaRPr lang="en-US" sz="1600">
-                        <a:effectLst/>
-                        <a:latin typeface="Cambria" panose="02040503050406030204" pitchFamily="18" charset="0"/>
-                        <a:ea typeface="Cambria" panose="02040503050406030204" pitchFamily="18" charset="0"/>
-                        <a:cs typeface="Times New Roman" panose="02020603050405020304" pitchFamily="18" charset="0"/>
-                      </a:endParaRPr>
-                    </a:p>
-                  </a:txBody>
-                  <a:tcPr marL="68580" marR="68580" marT="0" marB="0"/>
-                </a:tc>
-                <a:tc>
-                  <a:txBody>
-                    <a:bodyPr/>
-                    <a:lstStyle/>
-                    <a:p>
-                      <a:pPr marL="0" marR="0" algn="r">
-                        <a:spcBef>
-                          <a:spcPts val="0"/>
-                        </a:spcBef>
-                        <a:spcAft>
-                          <a:spcPts val="0"/>
-                        </a:spcAft>
-                      </a:pPr>
-                      <a:r>
-                        <a:rPr lang="en-US" sz="1600">
-                          <a:effectLst/>
-                        </a:rPr>
-                        <a:t>0.0061</a:t>
-                      </a:r>
-                      <a:endParaRPr lang="en-US" sz="1600">
-                        <a:effectLst/>
-                        <a:latin typeface="Cambria" panose="02040503050406030204" pitchFamily="18" charset="0"/>
-                        <a:ea typeface="Cambria" panose="02040503050406030204" pitchFamily="18" charset="0"/>
-                        <a:cs typeface="Times New Roman" panose="02020603050405020304" pitchFamily="18" charset="0"/>
-                      </a:endParaRPr>
-                    </a:p>
-                  </a:txBody>
-                  <a:tcPr marL="68580" marR="68580" marT="0" marB="0"/>
-                </a:tc>
-                <a:tc>
-                  <a:txBody>
-                    <a:bodyPr/>
-                    <a:lstStyle/>
-                    <a:p>
-                      <a:pPr marL="0" marR="0" algn="r">
-                        <a:spcBef>
-                          <a:spcPts val="0"/>
-                        </a:spcBef>
-                        <a:spcAft>
-                          <a:spcPts val="0"/>
-                        </a:spcAft>
-                      </a:pPr>
-                      <a:r>
-                        <a:rPr lang="en-US" sz="1600">
-                          <a:effectLst/>
-                        </a:rPr>
-                        <a:t>-0.0023</a:t>
-                      </a:r>
-                      <a:endParaRPr lang="en-US" sz="1600">
-                        <a:effectLst/>
-                        <a:latin typeface="Cambria" panose="02040503050406030204" pitchFamily="18" charset="0"/>
-                        <a:ea typeface="Cambria" panose="02040503050406030204" pitchFamily="18" charset="0"/>
-                        <a:cs typeface="Times New Roman" panose="02020603050405020304" pitchFamily="18" charset="0"/>
-                      </a:endParaRPr>
-                    </a:p>
-                  </a:txBody>
-                  <a:tcPr marL="68580" marR="68580" marT="0" marB="0"/>
-                </a:tc>
-                <a:extLst>
-                  <a:ext uri="{0D108BD9-81ED-4DB2-BD59-A6C34878D82A}">
-                    <a16:rowId xmlns:a16="http://schemas.microsoft.com/office/drawing/2014/main" val="1468248352"/>
-                  </a:ext>
-                </a:extLst>
-              </a:tr>
-              <a:tr h="257361">
-                <a:tc>
-                  <a:txBody>
-                    <a:bodyPr/>
-                    <a:lstStyle/>
-                    <a:p>
-                      <a:pPr marL="0" marR="0">
-                        <a:spcBef>
-                          <a:spcPts val="0"/>
-                        </a:spcBef>
-                        <a:spcAft>
-                          <a:spcPts val="0"/>
-                        </a:spcAft>
-                      </a:pPr>
-                      <a:r>
-                        <a:rPr lang="en-US" sz="1600">
-                          <a:effectLst/>
-                        </a:rPr>
-                        <a:t>x5</a:t>
-                      </a:r>
-                      <a:endParaRPr lang="en-US" sz="1600">
-                        <a:effectLst/>
-                        <a:latin typeface="Cambria" panose="02040503050406030204" pitchFamily="18" charset="0"/>
-                        <a:ea typeface="Cambria" panose="02040503050406030204" pitchFamily="18" charset="0"/>
-                        <a:cs typeface="Times New Roman" panose="02020603050405020304" pitchFamily="18" charset="0"/>
-                      </a:endParaRPr>
-                    </a:p>
-                  </a:txBody>
-                  <a:tcPr marL="68580" marR="68580" marT="0" marB="0"/>
-                </a:tc>
-                <a:tc>
-                  <a:txBody>
-                    <a:bodyPr/>
-                    <a:lstStyle/>
-                    <a:p>
-                      <a:pPr marL="0" marR="0" algn="r">
-                        <a:spcBef>
-                          <a:spcPts val="0"/>
-                        </a:spcBef>
-                        <a:spcAft>
-                          <a:spcPts val="0"/>
-                        </a:spcAft>
-                      </a:pPr>
-                      <a:r>
-                        <a:rPr lang="en-US" sz="1600">
-                          <a:effectLst/>
-                        </a:rPr>
-                        <a:t>0.0068</a:t>
-                      </a:r>
-                      <a:endParaRPr lang="en-US" sz="1600">
-                        <a:effectLst/>
-                        <a:latin typeface="Cambria" panose="02040503050406030204" pitchFamily="18" charset="0"/>
-                        <a:ea typeface="Cambria" panose="02040503050406030204" pitchFamily="18" charset="0"/>
-                        <a:cs typeface="Times New Roman" panose="02020603050405020304" pitchFamily="18" charset="0"/>
-                      </a:endParaRPr>
-                    </a:p>
-                  </a:txBody>
-                  <a:tcPr marL="68580" marR="68580" marT="0" marB="0"/>
-                </a:tc>
-                <a:tc>
-                  <a:txBody>
-                    <a:bodyPr/>
-                    <a:lstStyle/>
-                    <a:p>
-                      <a:pPr marL="0" marR="0" algn="r">
-                        <a:spcBef>
-                          <a:spcPts val="0"/>
-                        </a:spcBef>
-                        <a:spcAft>
-                          <a:spcPts val="0"/>
-                        </a:spcAft>
-                      </a:pPr>
-                      <a:r>
-                        <a:rPr lang="en-US" sz="1600">
-                          <a:effectLst/>
-                        </a:rPr>
-                        <a:t>-0.0094</a:t>
-                      </a:r>
-                      <a:endParaRPr lang="en-US" sz="1600">
-                        <a:effectLst/>
-                        <a:latin typeface="Cambria" panose="02040503050406030204" pitchFamily="18" charset="0"/>
-                        <a:ea typeface="Cambria" panose="02040503050406030204" pitchFamily="18" charset="0"/>
-                        <a:cs typeface="Times New Roman" panose="02020603050405020304" pitchFamily="18" charset="0"/>
-                      </a:endParaRPr>
-                    </a:p>
-                  </a:txBody>
-                  <a:tcPr marL="68580" marR="68580" marT="0" marB="0"/>
-                </a:tc>
-                <a:tc>
-                  <a:txBody>
-                    <a:bodyPr/>
-                    <a:lstStyle/>
-                    <a:p>
-                      <a:pPr marL="0" marR="0" algn="r">
-                        <a:spcBef>
-                          <a:spcPts val="0"/>
-                        </a:spcBef>
-                        <a:spcAft>
-                          <a:spcPts val="0"/>
-                        </a:spcAft>
-                      </a:pPr>
-                      <a:r>
-                        <a:rPr lang="en-US" sz="1600">
-                          <a:effectLst/>
-                        </a:rPr>
-                        <a:t>0.0046</a:t>
-                      </a:r>
-                      <a:endParaRPr lang="en-US" sz="1600">
-                        <a:effectLst/>
-                        <a:latin typeface="Cambria" panose="02040503050406030204" pitchFamily="18" charset="0"/>
-                        <a:ea typeface="Cambria" panose="02040503050406030204" pitchFamily="18" charset="0"/>
-                        <a:cs typeface="Times New Roman" panose="02020603050405020304" pitchFamily="18" charset="0"/>
-                      </a:endParaRPr>
-                    </a:p>
-                  </a:txBody>
-                  <a:tcPr marL="68580" marR="68580" marT="0" marB="0"/>
-                </a:tc>
-                <a:tc>
-                  <a:txBody>
-                    <a:bodyPr/>
-                    <a:lstStyle/>
-                    <a:p>
-                      <a:pPr marL="0" marR="0" algn="r">
-                        <a:spcBef>
-                          <a:spcPts val="0"/>
-                        </a:spcBef>
-                        <a:spcAft>
-                          <a:spcPts val="0"/>
-                        </a:spcAft>
-                      </a:pPr>
-                      <a:r>
-                        <a:rPr lang="en-US" sz="1600">
-                          <a:effectLst/>
-                        </a:rPr>
-                        <a:t>-0.0059</a:t>
-                      </a:r>
-                      <a:endParaRPr lang="en-US" sz="1600">
-                        <a:effectLst/>
-                        <a:latin typeface="Cambria" panose="02040503050406030204" pitchFamily="18" charset="0"/>
-                        <a:ea typeface="Cambria" panose="02040503050406030204" pitchFamily="18" charset="0"/>
-                        <a:cs typeface="Times New Roman" panose="02020603050405020304" pitchFamily="18" charset="0"/>
-                      </a:endParaRPr>
-                    </a:p>
-                  </a:txBody>
-                  <a:tcPr marL="68580" marR="68580" marT="0" marB="0"/>
-                </a:tc>
-                <a:tc>
-                  <a:txBody>
-                    <a:bodyPr/>
-                    <a:lstStyle/>
-                    <a:p>
-                      <a:pPr marL="0" marR="0" algn="r">
-                        <a:spcBef>
-                          <a:spcPts val="0"/>
-                        </a:spcBef>
-                        <a:spcAft>
-                          <a:spcPts val="0"/>
-                        </a:spcAft>
-                      </a:pPr>
-                      <a:r>
-                        <a:rPr lang="en-US" sz="1600">
-                          <a:effectLst/>
-                        </a:rPr>
-                        <a:t>1.0000</a:t>
-                      </a:r>
-                      <a:endParaRPr lang="en-US" sz="1600">
-                        <a:effectLst/>
-                        <a:latin typeface="Cambria" panose="02040503050406030204" pitchFamily="18" charset="0"/>
-                        <a:ea typeface="Cambria" panose="02040503050406030204" pitchFamily="18" charset="0"/>
-                        <a:cs typeface="Times New Roman" panose="02020603050405020304" pitchFamily="18" charset="0"/>
-                      </a:endParaRPr>
-                    </a:p>
-                  </a:txBody>
-                  <a:tcPr marL="68580" marR="68580" marT="0" marB="0"/>
-                </a:tc>
-                <a:tc>
-                  <a:txBody>
-                    <a:bodyPr/>
-                    <a:lstStyle/>
-                    <a:p>
-                      <a:pPr marL="0" marR="0" algn="r">
-                        <a:spcBef>
-                          <a:spcPts val="0"/>
-                        </a:spcBef>
-                        <a:spcAft>
-                          <a:spcPts val="0"/>
-                        </a:spcAft>
-                      </a:pPr>
-                      <a:r>
-                        <a:rPr lang="en-US" sz="1600">
-                          <a:effectLst/>
-                        </a:rPr>
-                        <a:t>0.0016</a:t>
-                      </a:r>
-                      <a:endParaRPr lang="en-US" sz="1600">
-                        <a:effectLst/>
-                        <a:latin typeface="Cambria" panose="02040503050406030204" pitchFamily="18" charset="0"/>
-                        <a:ea typeface="Cambria" panose="02040503050406030204" pitchFamily="18" charset="0"/>
-                        <a:cs typeface="Times New Roman" panose="02020603050405020304" pitchFamily="18" charset="0"/>
-                      </a:endParaRPr>
-                    </a:p>
-                  </a:txBody>
-                  <a:tcPr marL="68580" marR="68580" marT="0" marB="0"/>
-                </a:tc>
-                <a:tc>
-                  <a:txBody>
-                    <a:bodyPr/>
-                    <a:lstStyle/>
-                    <a:p>
-                      <a:pPr marL="0" marR="0" algn="r">
-                        <a:spcBef>
-                          <a:spcPts val="0"/>
-                        </a:spcBef>
-                        <a:spcAft>
-                          <a:spcPts val="0"/>
-                        </a:spcAft>
-                      </a:pPr>
-                      <a:r>
-                        <a:rPr lang="en-US" sz="1600">
-                          <a:effectLst/>
-                        </a:rPr>
-                        <a:t>-0.0027</a:t>
-                      </a:r>
-                      <a:endParaRPr lang="en-US" sz="1600">
-                        <a:effectLst/>
-                        <a:latin typeface="Cambria" panose="02040503050406030204" pitchFamily="18" charset="0"/>
-                        <a:ea typeface="Cambria" panose="02040503050406030204" pitchFamily="18" charset="0"/>
-                        <a:cs typeface="Times New Roman" panose="02020603050405020304" pitchFamily="18" charset="0"/>
-                      </a:endParaRPr>
-                    </a:p>
-                  </a:txBody>
-                  <a:tcPr marL="68580" marR="68580" marT="0" marB="0"/>
-                </a:tc>
-                <a:tc>
-                  <a:txBody>
-                    <a:bodyPr/>
-                    <a:lstStyle/>
-                    <a:p>
-                      <a:pPr marL="0" marR="0" algn="r">
-                        <a:spcBef>
-                          <a:spcPts val="0"/>
-                        </a:spcBef>
-                        <a:spcAft>
-                          <a:spcPts val="0"/>
-                        </a:spcAft>
-                      </a:pPr>
-                      <a:r>
-                        <a:rPr lang="en-US" sz="1600">
-                          <a:effectLst/>
-                        </a:rPr>
-                        <a:t>0.0081</a:t>
-                      </a:r>
-                      <a:endParaRPr lang="en-US" sz="1600">
-                        <a:effectLst/>
-                        <a:latin typeface="Cambria" panose="02040503050406030204" pitchFamily="18" charset="0"/>
-                        <a:ea typeface="Cambria" panose="02040503050406030204" pitchFamily="18" charset="0"/>
-                        <a:cs typeface="Times New Roman" panose="02020603050405020304" pitchFamily="18" charset="0"/>
-                      </a:endParaRPr>
-                    </a:p>
-                  </a:txBody>
-                  <a:tcPr marL="68580" marR="68580" marT="0" marB="0"/>
-                </a:tc>
-                <a:tc>
-                  <a:txBody>
-                    <a:bodyPr/>
-                    <a:lstStyle/>
-                    <a:p>
-                      <a:pPr marL="0" marR="0" algn="r">
-                        <a:spcBef>
-                          <a:spcPts val="0"/>
-                        </a:spcBef>
-                        <a:spcAft>
-                          <a:spcPts val="0"/>
-                        </a:spcAft>
-                      </a:pPr>
-                      <a:r>
-                        <a:rPr lang="en-US" sz="1600">
-                          <a:effectLst/>
-                        </a:rPr>
-                        <a:t>0.0259</a:t>
-                      </a:r>
-                      <a:endParaRPr lang="en-US" sz="1600">
-                        <a:effectLst/>
-                        <a:latin typeface="Cambria" panose="02040503050406030204" pitchFamily="18" charset="0"/>
-                        <a:ea typeface="Cambria" panose="02040503050406030204" pitchFamily="18" charset="0"/>
-                        <a:cs typeface="Times New Roman" panose="02020603050405020304" pitchFamily="18" charset="0"/>
-                      </a:endParaRPr>
-                    </a:p>
-                  </a:txBody>
-                  <a:tcPr marL="68580" marR="68580" marT="0" marB="0"/>
-                </a:tc>
-                <a:tc>
-                  <a:txBody>
-                    <a:bodyPr/>
-                    <a:lstStyle/>
-                    <a:p>
-                      <a:pPr marL="0" marR="0" algn="r">
-                        <a:spcBef>
-                          <a:spcPts val="0"/>
-                        </a:spcBef>
-                        <a:spcAft>
-                          <a:spcPts val="0"/>
-                        </a:spcAft>
-                      </a:pPr>
-                      <a:r>
-                        <a:rPr lang="en-US" sz="1600">
-                          <a:effectLst/>
-                        </a:rPr>
-                        <a:t>-0.0081</a:t>
-                      </a:r>
-                      <a:endParaRPr lang="en-US" sz="1600">
-                        <a:effectLst/>
-                        <a:latin typeface="Cambria" panose="02040503050406030204" pitchFamily="18" charset="0"/>
-                        <a:ea typeface="Cambria" panose="02040503050406030204" pitchFamily="18" charset="0"/>
-                        <a:cs typeface="Times New Roman" panose="02020603050405020304" pitchFamily="18" charset="0"/>
-                      </a:endParaRPr>
-                    </a:p>
-                  </a:txBody>
-                  <a:tcPr marL="68580" marR="68580" marT="0" marB="0"/>
-                </a:tc>
-                <a:extLst>
-                  <a:ext uri="{0D108BD9-81ED-4DB2-BD59-A6C34878D82A}">
-                    <a16:rowId xmlns:a16="http://schemas.microsoft.com/office/drawing/2014/main" val="2974567778"/>
-                  </a:ext>
-                </a:extLst>
-              </a:tr>
-              <a:tr h="257361">
-                <a:tc>
-                  <a:txBody>
-                    <a:bodyPr/>
-                    <a:lstStyle/>
-                    <a:p>
-                      <a:pPr marL="0" marR="0">
-                        <a:spcBef>
-                          <a:spcPts val="0"/>
-                        </a:spcBef>
-                        <a:spcAft>
-                          <a:spcPts val="0"/>
-                        </a:spcAft>
-                      </a:pPr>
-                      <a:r>
-                        <a:rPr lang="en-US" sz="1600">
-                          <a:effectLst/>
-                        </a:rPr>
-                        <a:t>x6</a:t>
-                      </a:r>
-                      <a:endParaRPr lang="en-US" sz="1600">
-                        <a:effectLst/>
-                        <a:latin typeface="Cambria" panose="02040503050406030204" pitchFamily="18" charset="0"/>
-                        <a:ea typeface="Cambria" panose="02040503050406030204" pitchFamily="18" charset="0"/>
-                        <a:cs typeface="Times New Roman" panose="02020603050405020304" pitchFamily="18" charset="0"/>
-                      </a:endParaRPr>
-                    </a:p>
-                  </a:txBody>
-                  <a:tcPr marL="68580" marR="68580" marT="0" marB="0"/>
-                </a:tc>
-                <a:tc>
-                  <a:txBody>
-                    <a:bodyPr/>
-                    <a:lstStyle/>
-                    <a:p>
-                      <a:pPr marL="0" marR="0" algn="r">
-                        <a:spcBef>
-                          <a:spcPts val="0"/>
-                        </a:spcBef>
-                        <a:spcAft>
-                          <a:spcPts val="0"/>
-                        </a:spcAft>
-                      </a:pPr>
-                      <a:r>
-                        <a:rPr lang="en-US" sz="1600">
-                          <a:effectLst/>
-                        </a:rPr>
-                        <a:t>0.0159</a:t>
-                      </a:r>
-                      <a:endParaRPr lang="en-US" sz="1600">
-                        <a:effectLst/>
-                        <a:latin typeface="Cambria" panose="02040503050406030204" pitchFamily="18" charset="0"/>
-                        <a:ea typeface="Cambria" panose="02040503050406030204" pitchFamily="18" charset="0"/>
-                        <a:cs typeface="Times New Roman" panose="02020603050405020304" pitchFamily="18" charset="0"/>
-                      </a:endParaRPr>
-                    </a:p>
-                  </a:txBody>
-                  <a:tcPr marL="68580" marR="68580" marT="0" marB="0"/>
-                </a:tc>
-                <a:tc>
-                  <a:txBody>
-                    <a:bodyPr/>
-                    <a:lstStyle/>
-                    <a:p>
-                      <a:pPr marL="0" marR="0" algn="r">
-                        <a:spcBef>
-                          <a:spcPts val="0"/>
-                        </a:spcBef>
-                        <a:spcAft>
-                          <a:spcPts val="0"/>
-                        </a:spcAft>
-                      </a:pPr>
-                      <a:r>
-                        <a:rPr lang="en-US" sz="1600">
-                          <a:effectLst/>
-                        </a:rPr>
-                        <a:t>-0.0101</a:t>
-                      </a:r>
-                      <a:endParaRPr lang="en-US" sz="1600">
-                        <a:effectLst/>
-                        <a:latin typeface="Cambria" panose="02040503050406030204" pitchFamily="18" charset="0"/>
-                        <a:ea typeface="Cambria" panose="02040503050406030204" pitchFamily="18" charset="0"/>
-                        <a:cs typeface="Times New Roman" panose="02020603050405020304" pitchFamily="18" charset="0"/>
-                      </a:endParaRPr>
-                    </a:p>
-                  </a:txBody>
-                  <a:tcPr marL="68580" marR="68580" marT="0" marB="0"/>
-                </a:tc>
-                <a:tc>
-                  <a:txBody>
-                    <a:bodyPr/>
-                    <a:lstStyle/>
-                    <a:p>
-                      <a:pPr marL="0" marR="0" algn="r">
-                        <a:spcBef>
-                          <a:spcPts val="0"/>
-                        </a:spcBef>
-                        <a:spcAft>
-                          <a:spcPts val="0"/>
-                        </a:spcAft>
-                      </a:pPr>
-                      <a:r>
-                        <a:rPr lang="en-US" sz="1600">
-                          <a:effectLst/>
-                        </a:rPr>
-                        <a:t>0.0006</a:t>
-                      </a:r>
-                      <a:endParaRPr lang="en-US" sz="1600">
+                      <a:endParaRPr lang="en-US" sz="1600" dirty="0">
                         <a:effectLst/>
                         <a:latin typeface="Cambria" panose="02040503050406030204" pitchFamily="18" charset="0"/>
                         <a:ea typeface="Cambria" panose="02040503050406030204" pitchFamily="18" charset="0"/>
@@ -22292,12 +21671,12 @@
                         </a:spcAft>
                       </a:pPr>
                       <a:r>
-                        <a:rPr lang="en-US" sz="1600">
+                        <a:rPr lang="en-US" sz="1600" dirty="0">
                           <a:effectLst/>
                         </a:rPr>
-                        <a:t>0.0016</a:t>
+                        <a:t>0.0098</a:t>
                       </a:r>
-                      <a:endParaRPr lang="en-US" sz="1600">
+                      <a:endParaRPr lang="en-US" sz="1600" dirty="0">
                         <a:effectLst/>
                         <a:latin typeface="Cambria" panose="02040503050406030204" pitchFamily="18" charset="0"/>
                         <a:ea typeface="Cambria" panose="02040503050406030204" pitchFamily="18" charset="0"/>
@@ -22321,12 +21700,12 @@
                         </a:spcAft>
                       </a:pPr>
                       <a:r>
-                        <a:rPr lang="en-US" sz="1600">
+                        <a:rPr lang="en-US" sz="1600" dirty="0">
                           <a:effectLst/>
                         </a:rPr>
-                        <a:t>1.0000</a:t>
+                        <a:t>0.0053</a:t>
                       </a:r>
-                      <a:endParaRPr lang="en-US" sz="1600">
+                      <a:endParaRPr lang="en-US" sz="1600" dirty="0">
                         <a:effectLst/>
                         <a:latin typeface="Cambria" panose="02040503050406030204" pitchFamily="18" charset="0"/>
                         <a:ea typeface="Cambria" panose="02040503050406030204" pitchFamily="18" charset="0"/>
@@ -22350,12 +21729,12 @@
                         </a:spcAft>
                       </a:pPr>
                       <a:r>
-                        <a:rPr lang="en-US" sz="1600">
+                        <a:rPr lang="en-US" sz="1600" dirty="0">
                           <a:effectLst/>
                         </a:rPr>
-                        <a:t>0.0200</a:t>
+                        <a:t>0.0061</a:t>
                       </a:r>
-                      <a:endParaRPr lang="en-US" sz="1600">
+                      <a:endParaRPr lang="en-US" sz="1600" dirty="0">
                         <a:effectLst/>
                         <a:latin typeface="Cambria" panose="02040503050406030204" pitchFamily="18" charset="0"/>
                         <a:ea typeface="Cambria" panose="02040503050406030204" pitchFamily="18" charset="0"/>
@@ -22379,12 +21758,48 @@
                         </a:spcAft>
                       </a:pPr>
                       <a:r>
-                        <a:rPr lang="en-US" sz="1600">
+                        <a:rPr lang="en-US" sz="1600" dirty="0">
                           <a:effectLst/>
                         </a:rPr>
-                        <a:t>-0.0157</a:t>
+                        <a:t>-0.0023</a:t>
                       </a:r>
-                      <a:endParaRPr lang="en-US" sz="1600">
+                      <a:endParaRPr lang="en-US" sz="1600" dirty="0">
+                        <a:effectLst/>
+                        <a:latin typeface="Cambria" panose="02040503050406030204" pitchFamily="18" charset="0"/>
+                        <a:ea typeface="Cambria" panose="02040503050406030204" pitchFamily="18" charset="0"/>
+                        <a:cs typeface="Times New Roman" panose="02020603050405020304" pitchFamily="18" charset="0"/>
+                      </a:endParaRPr>
+                    </a:p>
+                  </a:txBody>
+                  <a:tcPr marL="68580" marR="68580" marT="0" marB="0"/>
+                </a:tc>
+                <a:extLst>
+                  <a:ext uri="{0D108BD9-81ED-4DB2-BD59-A6C34878D82A}">
+                    <a16:rowId xmlns:a16="http://schemas.microsoft.com/office/drawing/2014/main" val="1468248352"/>
+                  </a:ext>
+                </a:extLst>
+              </a:tr>
+              <a:tr h="257361">
+                <a:tc>
+                  <a:txBody>
+                    <a:bodyPr/>
+                    <a:lstStyle/>
+                    <a:p>
+                      <a:pPr marL="0" marR="0">
+                        <a:spcBef>
+                          <a:spcPts val="0"/>
+                        </a:spcBef>
+                        <a:spcAft>
+                          <a:spcPts val="0"/>
+                        </a:spcAft>
+                      </a:pPr>
+                      <a:r>
+                        <a:rPr lang="en-US" sz="1600" dirty="0">
+                          <a:effectLst/>
+                        </a:rPr>
+                        <a:t>x5</a:t>
+                      </a:r>
+                      <a:endParaRPr lang="en-US" sz="1600" dirty="0">
                         <a:effectLst/>
                         <a:latin typeface="Cambria" panose="02040503050406030204" pitchFamily="18" charset="0"/>
                         <a:ea typeface="Cambria" panose="02040503050406030204" pitchFamily="18" charset="0"/>
@@ -22408,12 +21823,12 @@
                         </a:spcAft>
                       </a:pPr>
                       <a:r>
-                        <a:rPr lang="en-US" sz="1600">
+                        <a:rPr lang="en-US" sz="1600" dirty="0">
                           <a:effectLst/>
                         </a:rPr>
-                        <a:t>0.0117</a:t>
+                        <a:t>0.0068</a:t>
                       </a:r>
-                      <a:endParaRPr lang="en-US" sz="1600">
+                      <a:endParaRPr lang="en-US" sz="1600" dirty="0">
                         <a:effectLst/>
                         <a:latin typeface="Cambria" panose="02040503050406030204" pitchFamily="18" charset="0"/>
                         <a:ea typeface="Cambria" panose="02040503050406030204" pitchFamily="18" charset="0"/>
@@ -22437,48 +21852,12 @@
                         </a:spcAft>
                       </a:pPr>
                       <a:r>
-                        <a:rPr lang="en-US" sz="1600">
+                        <a:rPr lang="en-US" sz="1600" dirty="0">
                           <a:effectLst/>
                         </a:rPr>
-                        <a:t>-0.0072</a:t>
+                        <a:t>-0.0094</a:t>
                       </a:r>
-                      <a:endParaRPr lang="en-US" sz="1600">
-                        <a:effectLst/>
-                        <a:latin typeface="Cambria" panose="02040503050406030204" pitchFamily="18" charset="0"/>
-                        <a:ea typeface="Cambria" panose="02040503050406030204" pitchFamily="18" charset="0"/>
-                        <a:cs typeface="Times New Roman" panose="02020603050405020304" pitchFamily="18" charset="0"/>
-                      </a:endParaRPr>
-                    </a:p>
-                  </a:txBody>
-                  <a:tcPr marL="68580" marR="68580" marT="0" marB="0"/>
-                </a:tc>
-                <a:extLst>
-                  <a:ext uri="{0D108BD9-81ED-4DB2-BD59-A6C34878D82A}">
-                    <a16:rowId xmlns:a16="http://schemas.microsoft.com/office/drawing/2014/main" val="1443759640"/>
-                  </a:ext>
-                </a:extLst>
-              </a:tr>
-              <a:tr h="257361">
-                <a:tc>
-                  <a:txBody>
-                    <a:bodyPr/>
-                    <a:lstStyle/>
-                    <a:p>
-                      <a:pPr marL="0" marR="0">
-                        <a:spcBef>
-                          <a:spcPts val="0"/>
-                        </a:spcBef>
-                        <a:spcAft>
-                          <a:spcPts val="0"/>
-                        </a:spcAft>
-                      </a:pPr>
-                      <a:r>
-                        <a:rPr lang="en-US" sz="1600">
-                          <a:effectLst/>
-                        </a:rPr>
-                        <a:t>x7</a:t>
-                      </a:r>
-                      <a:endParaRPr lang="en-US" sz="1600">
+                      <a:endParaRPr lang="en-US" sz="1600" dirty="0">
                         <a:effectLst/>
                         <a:latin typeface="Cambria" panose="02040503050406030204" pitchFamily="18" charset="0"/>
                         <a:ea typeface="Cambria" panose="02040503050406030204" pitchFamily="18" charset="0"/>
@@ -22502,12 +21881,12 @@
                         </a:spcAft>
                       </a:pPr>
                       <a:r>
-                        <a:rPr lang="en-US" sz="1600">
+                        <a:rPr lang="en-US" sz="1600" dirty="0">
                           <a:effectLst/>
                         </a:rPr>
-                        <a:t>0.0264</a:t>
+                        <a:t>0.0046</a:t>
                       </a:r>
-                      <a:endParaRPr lang="en-US" sz="1600">
+                      <a:endParaRPr lang="en-US" sz="1600" dirty="0">
                         <a:effectLst/>
                         <a:latin typeface="Cambria" panose="02040503050406030204" pitchFamily="18" charset="0"/>
                         <a:ea typeface="Cambria" panose="02040503050406030204" pitchFamily="18" charset="0"/>
@@ -22531,12 +21910,12 @@
                         </a:spcAft>
                       </a:pPr>
                       <a:r>
-                        <a:rPr lang="en-US" sz="1600">
+                        <a:rPr lang="en-US" sz="1600" dirty="0">
                           <a:effectLst/>
                         </a:rPr>
-                        <a:t>0.0089</a:t>
+                        <a:t>-0.0059</a:t>
                       </a:r>
-                      <a:endParaRPr lang="en-US" sz="1600">
+                      <a:endParaRPr lang="en-US" sz="1600" dirty="0">
                         <a:effectLst/>
                         <a:latin typeface="Cambria" panose="02040503050406030204" pitchFamily="18" charset="0"/>
                         <a:ea typeface="Cambria" panose="02040503050406030204" pitchFamily="18" charset="0"/>
@@ -22560,12 +21939,12 @@
                         </a:spcAft>
                       </a:pPr>
                       <a:r>
-                        <a:rPr lang="en-US" sz="1600">
+                        <a:rPr lang="en-US" sz="1600" dirty="0">
                           <a:effectLst/>
                         </a:rPr>
-                        <a:t>-0.0105</a:t>
+                        <a:t>1.0000</a:t>
                       </a:r>
-                      <a:endParaRPr lang="en-US" sz="1600">
+                      <a:endParaRPr lang="en-US" sz="1600" dirty="0">
                         <a:effectLst/>
                         <a:latin typeface="Cambria" panose="02040503050406030204" pitchFamily="18" charset="0"/>
                         <a:ea typeface="Cambria" panose="02040503050406030204" pitchFamily="18" charset="0"/>
@@ -22589,12 +21968,12 @@
                         </a:spcAft>
                       </a:pPr>
                       <a:r>
-                        <a:rPr lang="en-US" sz="1600">
+                        <a:rPr lang="en-US" sz="1600" dirty="0">
                           <a:effectLst/>
                         </a:rPr>
-                        <a:t>0.0098</a:t>
+                        <a:t>0.0016</a:t>
                       </a:r>
-                      <a:endParaRPr lang="en-US" sz="1600">
+                      <a:endParaRPr lang="en-US" sz="1600" dirty="0">
                         <a:effectLst/>
                         <a:latin typeface="Cambria" panose="02040503050406030204" pitchFamily="18" charset="0"/>
                         <a:ea typeface="Cambria" panose="02040503050406030204" pitchFamily="18" charset="0"/>
@@ -22618,12 +21997,309 @@
                         </a:spcAft>
                       </a:pPr>
                       <a:r>
-                        <a:rPr lang="en-US" sz="1600">
+                        <a:rPr lang="en-US" sz="1600" dirty="0">
                           <a:effectLst/>
                         </a:rPr>
                         <a:t>-0.0027</a:t>
                       </a:r>
-                      <a:endParaRPr lang="en-US" sz="1600">
+                      <a:endParaRPr lang="en-US" sz="1600" dirty="0">
+                        <a:effectLst/>
+                        <a:latin typeface="Cambria" panose="02040503050406030204" pitchFamily="18" charset="0"/>
+                        <a:ea typeface="Cambria" panose="02040503050406030204" pitchFamily="18" charset="0"/>
+                        <a:cs typeface="Times New Roman" panose="02020603050405020304" pitchFamily="18" charset="0"/>
+                      </a:endParaRPr>
+                    </a:p>
+                  </a:txBody>
+                  <a:tcPr marL="68580" marR="68580" marT="0" marB="0"/>
+                </a:tc>
+                <a:tc>
+                  <a:txBody>
+                    <a:bodyPr/>
+                    <a:lstStyle/>
+                    <a:p>
+                      <a:pPr marL="0" marR="0" algn="r">
+                        <a:spcBef>
+                          <a:spcPts val="0"/>
+                        </a:spcBef>
+                        <a:spcAft>
+                          <a:spcPts val="0"/>
+                        </a:spcAft>
+                      </a:pPr>
+                      <a:r>
+                        <a:rPr lang="en-US" sz="1600" dirty="0">
+                          <a:effectLst/>
+                        </a:rPr>
+                        <a:t>0.0081</a:t>
+                      </a:r>
+                      <a:endParaRPr lang="en-US" sz="1600" dirty="0">
+                        <a:effectLst/>
+                        <a:latin typeface="Cambria" panose="02040503050406030204" pitchFamily="18" charset="0"/>
+                        <a:ea typeface="Cambria" panose="02040503050406030204" pitchFamily="18" charset="0"/>
+                        <a:cs typeface="Times New Roman" panose="02020603050405020304" pitchFamily="18" charset="0"/>
+                      </a:endParaRPr>
+                    </a:p>
+                  </a:txBody>
+                  <a:tcPr marL="68580" marR="68580" marT="0" marB="0"/>
+                </a:tc>
+                <a:tc>
+                  <a:txBody>
+                    <a:bodyPr/>
+                    <a:lstStyle/>
+                    <a:p>
+                      <a:pPr marL="0" marR="0" algn="r">
+                        <a:spcBef>
+                          <a:spcPts val="0"/>
+                        </a:spcBef>
+                        <a:spcAft>
+                          <a:spcPts val="0"/>
+                        </a:spcAft>
+                      </a:pPr>
+                      <a:r>
+                        <a:rPr lang="en-US" sz="1600" dirty="0">
+                          <a:effectLst/>
+                        </a:rPr>
+                        <a:t>0.0259</a:t>
+                      </a:r>
+                      <a:endParaRPr lang="en-US" sz="1600" dirty="0">
+                        <a:effectLst/>
+                        <a:latin typeface="Cambria" panose="02040503050406030204" pitchFamily="18" charset="0"/>
+                        <a:ea typeface="Cambria" panose="02040503050406030204" pitchFamily="18" charset="0"/>
+                        <a:cs typeface="Times New Roman" panose="02020603050405020304" pitchFamily="18" charset="0"/>
+                      </a:endParaRPr>
+                    </a:p>
+                  </a:txBody>
+                  <a:tcPr marL="68580" marR="68580" marT="0" marB="0"/>
+                </a:tc>
+                <a:tc>
+                  <a:txBody>
+                    <a:bodyPr/>
+                    <a:lstStyle/>
+                    <a:p>
+                      <a:pPr marL="0" marR="0" algn="r">
+                        <a:spcBef>
+                          <a:spcPts val="0"/>
+                        </a:spcBef>
+                        <a:spcAft>
+                          <a:spcPts val="0"/>
+                        </a:spcAft>
+                      </a:pPr>
+                      <a:r>
+                        <a:rPr lang="en-US" sz="1600" dirty="0">
+                          <a:effectLst/>
+                        </a:rPr>
+                        <a:t>-0.0081</a:t>
+                      </a:r>
+                      <a:endParaRPr lang="en-US" sz="1600" dirty="0">
+                        <a:effectLst/>
+                        <a:latin typeface="Cambria" panose="02040503050406030204" pitchFamily="18" charset="0"/>
+                        <a:ea typeface="Cambria" panose="02040503050406030204" pitchFamily="18" charset="0"/>
+                        <a:cs typeface="Times New Roman" panose="02020603050405020304" pitchFamily="18" charset="0"/>
+                      </a:endParaRPr>
+                    </a:p>
+                  </a:txBody>
+                  <a:tcPr marL="68580" marR="68580" marT="0" marB="0"/>
+                </a:tc>
+                <a:extLst>
+                  <a:ext uri="{0D108BD9-81ED-4DB2-BD59-A6C34878D82A}">
+                    <a16:rowId xmlns:a16="http://schemas.microsoft.com/office/drawing/2014/main" val="2974567778"/>
+                  </a:ext>
+                </a:extLst>
+              </a:tr>
+              <a:tr h="257361">
+                <a:tc>
+                  <a:txBody>
+                    <a:bodyPr/>
+                    <a:lstStyle/>
+                    <a:p>
+                      <a:pPr marL="0" marR="0">
+                        <a:spcBef>
+                          <a:spcPts val="0"/>
+                        </a:spcBef>
+                        <a:spcAft>
+                          <a:spcPts val="0"/>
+                        </a:spcAft>
+                      </a:pPr>
+                      <a:r>
+                        <a:rPr lang="en-US" sz="1600" dirty="0">
+                          <a:effectLst/>
+                        </a:rPr>
+                        <a:t>x6</a:t>
+                      </a:r>
+                      <a:endParaRPr lang="en-US" sz="1600" dirty="0">
+                        <a:effectLst/>
+                        <a:latin typeface="Cambria" panose="02040503050406030204" pitchFamily="18" charset="0"/>
+                        <a:ea typeface="Cambria" panose="02040503050406030204" pitchFamily="18" charset="0"/>
+                        <a:cs typeface="Times New Roman" panose="02020603050405020304" pitchFamily="18" charset="0"/>
+                      </a:endParaRPr>
+                    </a:p>
+                  </a:txBody>
+                  <a:tcPr marL="68580" marR="68580" marT="0" marB="0"/>
+                </a:tc>
+                <a:tc>
+                  <a:txBody>
+                    <a:bodyPr/>
+                    <a:lstStyle/>
+                    <a:p>
+                      <a:pPr marL="0" marR="0" algn="r">
+                        <a:spcBef>
+                          <a:spcPts val="0"/>
+                        </a:spcBef>
+                        <a:spcAft>
+                          <a:spcPts val="0"/>
+                        </a:spcAft>
+                      </a:pPr>
+                      <a:r>
+                        <a:rPr lang="en-US" sz="1600" dirty="0">
+                          <a:effectLst/>
+                        </a:rPr>
+                        <a:t>0.0159</a:t>
+                      </a:r>
+                      <a:endParaRPr lang="en-US" sz="1600" dirty="0">
+                        <a:effectLst/>
+                        <a:latin typeface="Cambria" panose="02040503050406030204" pitchFamily="18" charset="0"/>
+                        <a:ea typeface="Cambria" panose="02040503050406030204" pitchFamily="18" charset="0"/>
+                        <a:cs typeface="Times New Roman" panose="02020603050405020304" pitchFamily="18" charset="0"/>
+                      </a:endParaRPr>
+                    </a:p>
+                  </a:txBody>
+                  <a:tcPr marL="68580" marR="68580" marT="0" marB="0"/>
+                </a:tc>
+                <a:tc>
+                  <a:txBody>
+                    <a:bodyPr/>
+                    <a:lstStyle/>
+                    <a:p>
+                      <a:pPr marL="0" marR="0" algn="r">
+                        <a:spcBef>
+                          <a:spcPts val="0"/>
+                        </a:spcBef>
+                        <a:spcAft>
+                          <a:spcPts val="0"/>
+                        </a:spcAft>
+                      </a:pPr>
+                      <a:r>
+                        <a:rPr lang="en-US" sz="1600" dirty="0">
+                          <a:effectLst/>
+                        </a:rPr>
+                        <a:t>-0.0101</a:t>
+                      </a:r>
+                      <a:endParaRPr lang="en-US" sz="1600" dirty="0">
+                        <a:effectLst/>
+                        <a:latin typeface="Cambria" panose="02040503050406030204" pitchFamily="18" charset="0"/>
+                        <a:ea typeface="Cambria" panose="02040503050406030204" pitchFamily="18" charset="0"/>
+                        <a:cs typeface="Times New Roman" panose="02020603050405020304" pitchFamily="18" charset="0"/>
+                      </a:endParaRPr>
+                    </a:p>
+                  </a:txBody>
+                  <a:tcPr marL="68580" marR="68580" marT="0" marB="0"/>
+                </a:tc>
+                <a:tc>
+                  <a:txBody>
+                    <a:bodyPr/>
+                    <a:lstStyle/>
+                    <a:p>
+                      <a:pPr marL="0" marR="0" algn="r">
+                        <a:spcBef>
+                          <a:spcPts val="0"/>
+                        </a:spcBef>
+                        <a:spcAft>
+                          <a:spcPts val="0"/>
+                        </a:spcAft>
+                      </a:pPr>
+                      <a:r>
+                        <a:rPr lang="en-US" sz="1600" dirty="0">
+                          <a:effectLst/>
+                        </a:rPr>
+                        <a:t>0.0006</a:t>
+                      </a:r>
+                      <a:endParaRPr lang="en-US" sz="1600" dirty="0">
+                        <a:effectLst/>
+                        <a:latin typeface="Cambria" panose="02040503050406030204" pitchFamily="18" charset="0"/>
+                        <a:ea typeface="Cambria" panose="02040503050406030204" pitchFamily="18" charset="0"/>
+                        <a:cs typeface="Times New Roman" panose="02020603050405020304" pitchFamily="18" charset="0"/>
+                      </a:endParaRPr>
+                    </a:p>
+                  </a:txBody>
+                  <a:tcPr marL="68580" marR="68580" marT="0" marB="0"/>
+                </a:tc>
+                <a:tc>
+                  <a:txBody>
+                    <a:bodyPr/>
+                    <a:lstStyle/>
+                    <a:p>
+                      <a:pPr marL="0" marR="0" algn="r">
+                        <a:spcBef>
+                          <a:spcPts val="0"/>
+                        </a:spcBef>
+                        <a:spcAft>
+                          <a:spcPts val="0"/>
+                        </a:spcAft>
+                      </a:pPr>
+                      <a:r>
+                        <a:rPr lang="en-US" sz="1600" dirty="0">
+                          <a:effectLst/>
+                        </a:rPr>
+                        <a:t>0.0104</a:t>
+                      </a:r>
+                      <a:endParaRPr lang="en-US" sz="1600" dirty="0">
+                        <a:effectLst/>
+                        <a:latin typeface="Cambria" panose="02040503050406030204" pitchFamily="18" charset="0"/>
+                        <a:ea typeface="Cambria" panose="02040503050406030204" pitchFamily="18" charset="0"/>
+                        <a:cs typeface="Times New Roman" panose="02020603050405020304" pitchFamily="18" charset="0"/>
+                      </a:endParaRPr>
+                    </a:p>
+                  </a:txBody>
+                  <a:tcPr marL="68580" marR="68580" marT="0" marB="0"/>
+                </a:tc>
+                <a:tc>
+                  <a:txBody>
+                    <a:bodyPr/>
+                    <a:lstStyle/>
+                    <a:p>
+                      <a:pPr marL="0" marR="0" algn="r">
+                        <a:spcBef>
+                          <a:spcPts val="0"/>
+                        </a:spcBef>
+                        <a:spcAft>
+                          <a:spcPts val="0"/>
+                        </a:spcAft>
+                      </a:pPr>
+                      <a:r>
+                        <a:rPr lang="en-US" sz="1600" dirty="0">
+                          <a:effectLst/>
+                        </a:rPr>
+                        <a:t>0.0016</a:t>
+                      </a:r>
+                      <a:endParaRPr lang="en-US" sz="1600" dirty="0">
+                        <a:effectLst/>
+                        <a:latin typeface="Cambria" panose="02040503050406030204" pitchFamily="18" charset="0"/>
+                        <a:ea typeface="Cambria" panose="02040503050406030204" pitchFamily="18" charset="0"/>
+                        <a:cs typeface="Times New Roman" panose="02020603050405020304" pitchFamily="18" charset="0"/>
+                      </a:endParaRPr>
+                    </a:p>
+                  </a:txBody>
+                  <a:tcPr marL="68580" marR="68580" marT="0" marB="0"/>
+                </a:tc>
+                <a:tc>
+                  <a:txBody>
+                    <a:bodyPr/>
+                    <a:lstStyle/>
+                    <a:p>
+                      <a:pPr marL="0" marR="0" algn="r">
+                        <a:spcBef>
+                          <a:spcPts val="0"/>
+                        </a:spcBef>
+                        <a:spcAft>
+                          <a:spcPts val="0"/>
+                        </a:spcAft>
+                      </a:pPr>
+                      <a:r>
+                        <a:rPr lang="en-US" sz="1600" dirty="0">
+                          <a:effectLst/>
+                        </a:rPr>
+                        <a:t>1.0000</a:t>
+                      </a:r>
+                      <a:endParaRPr lang="en-US" sz="1600" dirty="0">
                         <a:effectLst/>
                         <a:latin typeface="Cambria" panose="02040503050406030204" pitchFamily="18" charset="0"/>
                         <a:ea typeface="Cambria" panose="02040503050406030204" pitchFamily="18" charset="0"/>
@@ -22676,12 +22352,12 @@
                         </a:spcAft>
                       </a:pPr>
                       <a:r>
-                        <a:rPr lang="en-US" sz="1600">
+                        <a:rPr lang="en-US" sz="1600" dirty="0">
                           <a:effectLst/>
                         </a:rPr>
-                        <a:t>1.0000</a:t>
+                        <a:t>-0.0157</a:t>
                       </a:r>
-                      <a:endParaRPr lang="en-US" sz="1600">
+                      <a:endParaRPr lang="en-US" sz="1600" dirty="0">
                         <a:effectLst/>
                         <a:latin typeface="Cambria" panose="02040503050406030204" pitchFamily="18" charset="0"/>
                         <a:ea typeface="Cambria" panose="02040503050406030204" pitchFamily="18" charset="0"/>
@@ -22705,12 +22381,12 @@
                         </a:spcAft>
                       </a:pPr>
                       <a:r>
-                        <a:rPr lang="en-US" sz="1600">
+                        <a:rPr lang="en-US" sz="1600" dirty="0">
                           <a:effectLst/>
                         </a:rPr>
-                        <a:t>-0.0018</a:t>
+                        <a:t>0.0117</a:t>
                       </a:r>
-                      <a:endParaRPr lang="en-US" sz="1600">
+                      <a:endParaRPr lang="en-US" sz="1600" dirty="0">
                         <a:effectLst/>
                         <a:latin typeface="Cambria" panose="02040503050406030204" pitchFamily="18" charset="0"/>
                         <a:ea typeface="Cambria" panose="02040503050406030204" pitchFamily="18" charset="0"/>
@@ -22734,12 +22410,48 @@
                         </a:spcAft>
                       </a:pPr>
                       <a:r>
-                        <a:rPr lang="en-US" sz="1600">
+                        <a:rPr lang="en-US" sz="1600" dirty="0">
                           <a:effectLst/>
                         </a:rPr>
-                        <a:t>-0.0069</a:t>
+                        <a:t>-0.0072</a:t>
                       </a:r>
-                      <a:endParaRPr lang="en-US" sz="1600">
+                      <a:endParaRPr lang="en-US" sz="1600" dirty="0">
+                        <a:effectLst/>
+                        <a:latin typeface="Cambria" panose="02040503050406030204" pitchFamily="18" charset="0"/>
+                        <a:ea typeface="Cambria" panose="02040503050406030204" pitchFamily="18" charset="0"/>
+                        <a:cs typeface="Times New Roman" panose="02020603050405020304" pitchFamily="18" charset="0"/>
+                      </a:endParaRPr>
+                    </a:p>
+                  </a:txBody>
+                  <a:tcPr marL="68580" marR="68580" marT="0" marB="0"/>
+                </a:tc>
+                <a:extLst>
+                  <a:ext uri="{0D108BD9-81ED-4DB2-BD59-A6C34878D82A}">
+                    <a16:rowId xmlns:a16="http://schemas.microsoft.com/office/drawing/2014/main" val="1443759640"/>
+                  </a:ext>
+                </a:extLst>
+              </a:tr>
+              <a:tr h="257361">
+                <a:tc>
+                  <a:txBody>
+                    <a:bodyPr/>
+                    <a:lstStyle/>
+                    <a:p>
+                      <a:pPr marL="0" marR="0">
+                        <a:spcBef>
+                          <a:spcPts val="0"/>
+                        </a:spcBef>
+                        <a:spcAft>
+                          <a:spcPts val="0"/>
+                        </a:spcAft>
+                      </a:pPr>
+                      <a:r>
+                        <a:rPr lang="en-US" sz="1600" dirty="0">
+                          <a:effectLst/>
+                        </a:rPr>
+                        <a:t>x7</a:t>
+                      </a:r>
+                      <a:endParaRPr lang="en-US" sz="1600" dirty="0">
                         <a:effectLst/>
                         <a:latin typeface="Cambria" panose="02040503050406030204" pitchFamily="18" charset="0"/>
                         <a:ea typeface="Cambria" panose="02040503050406030204" pitchFamily="18" charset="0"/>
@@ -22763,12 +22475,273 @@
                         </a:spcAft>
                       </a:pPr>
                       <a:r>
-                        <a:rPr lang="en-US" sz="1600">
+                        <a:rPr lang="en-US" sz="1600" dirty="0">
+                          <a:effectLst/>
+                        </a:rPr>
+                        <a:t>0.0264</a:t>
+                      </a:r>
+                      <a:endParaRPr lang="en-US" sz="1600" dirty="0">
+                        <a:effectLst/>
+                        <a:latin typeface="Cambria" panose="02040503050406030204" pitchFamily="18" charset="0"/>
+                        <a:ea typeface="Cambria" panose="02040503050406030204" pitchFamily="18" charset="0"/>
+                        <a:cs typeface="Times New Roman" panose="02020603050405020304" pitchFamily="18" charset="0"/>
+                      </a:endParaRPr>
+                    </a:p>
+                  </a:txBody>
+                  <a:tcPr marL="68580" marR="68580" marT="0" marB="0"/>
+                </a:tc>
+                <a:tc>
+                  <a:txBody>
+                    <a:bodyPr/>
+                    <a:lstStyle/>
+                    <a:p>
+                      <a:pPr marL="0" marR="0" algn="r">
+                        <a:spcBef>
+                          <a:spcPts val="0"/>
+                        </a:spcBef>
+                        <a:spcAft>
+                          <a:spcPts val="0"/>
+                        </a:spcAft>
+                      </a:pPr>
+                      <a:r>
+                        <a:rPr lang="en-US" sz="1600" dirty="0">
+                          <a:effectLst/>
+                        </a:rPr>
+                        <a:t>0.0089</a:t>
+                      </a:r>
+                      <a:endParaRPr lang="en-US" sz="1600" dirty="0">
+                        <a:effectLst/>
+                        <a:latin typeface="Cambria" panose="02040503050406030204" pitchFamily="18" charset="0"/>
+                        <a:ea typeface="Cambria" panose="02040503050406030204" pitchFamily="18" charset="0"/>
+                        <a:cs typeface="Times New Roman" panose="02020603050405020304" pitchFamily="18" charset="0"/>
+                      </a:endParaRPr>
+                    </a:p>
+                  </a:txBody>
+                  <a:tcPr marL="68580" marR="68580" marT="0" marB="0"/>
+                </a:tc>
+                <a:tc>
+                  <a:txBody>
+                    <a:bodyPr/>
+                    <a:lstStyle/>
+                    <a:p>
+                      <a:pPr marL="0" marR="0" algn="r">
+                        <a:spcBef>
+                          <a:spcPts val="0"/>
+                        </a:spcBef>
+                        <a:spcAft>
+                          <a:spcPts val="0"/>
+                        </a:spcAft>
+                      </a:pPr>
+                      <a:r>
+                        <a:rPr lang="en-US" sz="1600" dirty="0">
+                          <a:effectLst/>
+                        </a:rPr>
+                        <a:t>-0.0105</a:t>
+                      </a:r>
+                      <a:endParaRPr lang="en-US" sz="1600" dirty="0">
+                        <a:effectLst/>
+                        <a:latin typeface="Cambria" panose="02040503050406030204" pitchFamily="18" charset="0"/>
+                        <a:ea typeface="Cambria" panose="02040503050406030204" pitchFamily="18" charset="0"/>
+                        <a:cs typeface="Times New Roman" panose="02020603050405020304" pitchFamily="18" charset="0"/>
+                      </a:endParaRPr>
+                    </a:p>
+                  </a:txBody>
+                  <a:tcPr marL="68580" marR="68580" marT="0" marB="0"/>
+                </a:tc>
+                <a:tc>
+                  <a:txBody>
+                    <a:bodyPr/>
+                    <a:lstStyle/>
+                    <a:p>
+                      <a:pPr marL="0" marR="0" algn="r">
+                        <a:spcBef>
+                          <a:spcPts val="0"/>
+                        </a:spcBef>
+                        <a:spcAft>
+                          <a:spcPts val="0"/>
+                        </a:spcAft>
+                      </a:pPr>
+                      <a:r>
+                        <a:rPr lang="en-US" sz="1600" dirty="0">
+                          <a:effectLst/>
+                        </a:rPr>
+                        <a:t>0.0098</a:t>
+                      </a:r>
+                      <a:endParaRPr lang="en-US" sz="1600" dirty="0">
+                        <a:effectLst/>
+                        <a:latin typeface="Cambria" panose="02040503050406030204" pitchFamily="18" charset="0"/>
+                        <a:ea typeface="Cambria" panose="02040503050406030204" pitchFamily="18" charset="0"/>
+                        <a:cs typeface="Times New Roman" panose="02020603050405020304" pitchFamily="18" charset="0"/>
+                      </a:endParaRPr>
+                    </a:p>
+                  </a:txBody>
+                  <a:tcPr marL="68580" marR="68580" marT="0" marB="0"/>
+                </a:tc>
+                <a:tc>
+                  <a:txBody>
+                    <a:bodyPr/>
+                    <a:lstStyle/>
+                    <a:p>
+                      <a:pPr marL="0" marR="0" algn="r">
+                        <a:spcBef>
+                          <a:spcPts val="0"/>
+                        </a:spcBef>
+                        <a:spcAft>
+                          <a:spcPts val="0"/>
+                        </a:spcAft>
+                      </a:pPr>
+                      <a:r>
+                        <a:rPr lang="en-US" sz="1600" dirty="0">
+                          <a:effectLst/>
+                        </a:rPr>
+                        <a:t>-0.0027</a:t>
+                      </a:r>
+                      <a:endParaRPr lang="en-US" sz="1600" dirty="0">
+                        <a:effectLst/>
+                        <a:latin typeface="Cambria" panose="02040503050406030204" pitchFamily="18" charset="0"/>
+                        <a:ea typeface="Cambria" panose="02040503050406030204" pitchFamily="18" charset="0"/>
+                        <a:cs typeface="Times New Roman" panose="02020603050405020304" pitchFamily="18" charset="0"/>
+                      </a:endParaRPr>
+                    </a:p>
+                  </a:txBody>
+                  <a:tcPr marL="68580" marR="68580" marT="0" marB="0"/>
+                </a:tc>
+                <a:tc>
+                  <a:txBody>
+                    <a:bodyPr/>
+                    <a:lstStyle/>
+                    <a:p>
+                      <a:pPr marL="0" marR="0" algn="r">
+                        <a:spcBef>
+                          <a:spcPts val="0"/>
+                        </a:spcBef>
+                        <a:spcAft>
+                          <a:spcPts val="0"/>
+                        </a:spcAft>
+                      </a:pPr>
+                      <a:r>
+                        <a:rPr lang="en-US" sz="1600" dirty="0">
+                          <a:effectLst/>
+                        </a:rPr>
+                        <a:t>0.0200</a:t>
+                      </a:r>
+                      <a:endParaRPr lang="en-US" sz="1600" dirty="0">
+                        <a:effectLst/>
+                        <a:latin typeface="Cambria" panose="02040503050406030204" pitchFamily="18" charset="0"/>
+                        <a:ea typeface="Cambria" panose="02040503050406030204" pitchFamily="18" charset="0"/>
+                        <a:cs typeface="Times New Roman" panose="02020603050405020304" pitchFamily="18" charset="0"/>
+                      </a:endParaRPr>
+                    </a:p>
+                  </a:txBody>
+                  <a:tcPr marL="68580" marR="68580" marT="0" marB="0"/>
+                </a:tc>
+                <a:tc>
+                  <a:txBody>
+                    <a:bodyPr/>
+                    <a:lstStyle/>
+                    <a:p>
+                      <a:pPr marL="0" marR="0" algn="r">
+                        <a:spcBef>
+                          <a:spcPts val="0"/>
+                        </a:spcBef>
+                        <a:spcAft>
+                          <a:spcPts val="0"/>
+                        </a:spcAft>
+                      </a:pPr>
+                      <a:r>
+                        <a:rPr lang="en-US" sz="1600" dirty="0">
+                          <a:effectLst/>
+                        </a:rPr>
+                        <a:t>1.0000</a:t>
+                      </a:r>
+                      <a:endParaRPr lang="en-US" sz="1600" dirty="0">
+                        <a:effectLst/>
+                        <a:latin typeface="Cambria" panose="02040503050406030204" pitchFamily="18" charset="0"/>
+                        <a:ea typeface="Cambria" panose="02040503050406030204" pitchFamily="18" charset="0"/>
+                        <a:cs typeface="Times New Roman" panose="02020603050405020304" pitchFamily="18" charset="0"/>
+                      </a:endParaRPr>
+                    </a:p>
+                  </a:txBody>
+                  <a:tcPr marL="68580" marR="68580" marT="0" marB="0"/>
+                </a:tc>
+                <a:tc>
+                  <a:txBody>
+                    <a:bodyPr/>
+                    <a:lstStyle/>
+                    <a:p>
+                      <a:pPr marL="0" marR="0" algn="r">
+                        <a:spcBef>
+                          <a:spcPts val="0"/>
+                        </a:spcBef>
+                        <a:spcAft>
+                          <a:spcPts val="0"/>
+                        </a:spcAft>
+                      </a:pPr>
+                      <a:r>
+                        <a:rPr lang="en-US" sz="1600" dirty="0">
+                          <a:effectLst/>
+                        </a:rPr>
+                        <a:t>-0.0018</a:t>
+                      </a:r>
+                      <a:endParaRPr lang="en-US" sz="1600" dirty="0">
+                        <a:effectLst/>
+                        <a:latin typeface="Cambria" panose="02040503050406030204" pitchFamily="18" charset="0"/>
+                        <a:ea typeface="Cambria" panose="02040503050406030204" pitchFamily="18" charset="0"/>
+                        <a:cs typeface="Times New Roman" panose="02020603050405020304" pitchFamily="18" charset="0"/>
+                      </a:endParaRPr>
+                    </a:p>
+                  </a:txBody>
+                  <a:tcPr marL="68580" marR="68580" marT="0" marB="0"/>
+                </a:tc>
+                <a:tc>
+                  <a:txBody>
+                    <a:bodyPr/>
+                    <a:lstStyle/>
+                    <a:p>
+                      <a:pPr marL="0" marR="0" algn="r">
+                        <a:spcBef>
+                          <a:spcPts val="0"/>
+                        </a:spcBef>
+                        <a:spcAft>
+                          <a:spcPts val="0"/>
+                        </a:spcAft>
+                      </a:pPr>
+                      <a:r>
+                        <a:rPr lang="en-US" sz="1600" dirty="0">
+                          <a:effectLst/>
+                        </a:rPr>
+                        <a:t>-0.0069</a:t>
+                      </a:r>
+                      <a:endParaRPr lang="en-US" sz="1600" dirty="0">
+                        <a:effectLst/>
+                        <a:latin typeface="Cambria" panose="02040503050406030204" pitchFamily="18" charset="0"/>
+                        <a:ea typeface="Cambria" panose="02040503050406030204" pitchFamily="18" charset="0"/>
+                        <a:cs typeface="Times New Roman" panose="02020603050405020304" pitchFamily="18" charset="0"/>
+                      </a:endParaRPr>
+                    </a:p>
+                  </a:txBody>
+                  <a:tcPr marL="68580" marR="68580" marT="0" marB="0"/>
+                </a:tc>
+                <a:tc>
+                  <a:txBody>
+                    <a:bodyPr/>
+                    <a:lstStyle/>
+                    <a:p>
+                      <a:pPr marL="0" marR="0" algn="r">
+                        <a:spcBef>
+                          <a:spcPts val="0"/>
+                        </a:spcBef>
+                        <a:spcAft>
+                          <a:spcPts val="0"/>
+                        </a:spcAft>
+                      </a:pPr>
+                      <a:r>
+                        <a:rPr lang="en-US" sz="1600" dirty="0">
                           <a:effectLst/>
                         </a:rPr>
                         <a:t>-0.0221</a:t>
                       </a:r>
-                      <a:endParaRPr lang="en-US" sz="1600">
+                      <a:endParaRPr lang="en-US" sz="1600" dirty="0">
                         <a:effectLst/>
                         <a:latin typeface="Cambria" panose="02040503050406030204" pitchFamily="18" charset="0"/>
                         <a:ea typeface="Cambria" panose="02040503050406030204" pitchFamily="18" charset="0"/>
@@ -22799,12 +22772,12 @@
                         </a:spcAft>
                       </a:pPr>
                       <a:r>
-                        <a:rPr lang="en-US" sz="1600">
+                        <a:rPr lang="en-US" sz="1600" dirty="0">
                           <a:effectLst/>
                         </a:rPr>
                         <a:t>x8</a:t>
                       </a:r>
-                      <a:endParaRPr lang="en-US" sz="1600">
+                      <a:endParaRPr lang="en-US" sz="1600" dirty="0">
                         <a:effectLst/>
                         <a:latin typeface="Cambria" panose="02040503050406030204" pitchFamily="18" charset="0"/>
                         <a:ea typeface="Cambria" panose="02040503050406030204" pitchFamily="18" charset="0"/>
@@ -22828,12 +22801,12 @@
                         </a:spcAft>
                       </a:pPr>
                       <a:r>
-                        <a:rPr lang="en-US" sz="1600">
+                        <a:rPr lang="en-US" sz="1600" dirty="0">
                           <a:effectLst/>
                         </a:rPr>
                         <a:t>-0.0012</a:t>
                       </a:r>
-                      <a:endParaRPr lang="en-US" sz="1600">
+                      <a:endParaRPr lang="en-US" sz="1600" dirty="0">
                         <a:effectLst/>
                         <a:latin typeface="Cambria" panose="02040503050406030204" pitchFamily="18" charset="0"/>
                         <a:ea typeface="Cambria" panose="02040503050406030204" pitchFamily="18" charset="0"/>
@@ -22886,12 +22859,12 @@
                         </a:spcAft>
                       </a:pPr>
                       <a:r>
-                        <a:rPr lang="en-US" sz="1600">
+                        <a:rPr lang="en-US" sz="1600" dirty="0">
                           <a:effectLst/>
                         </a:rPr>
                         <a:t>-0.0002</a:t>
                       </a:r>
-                      <a:endParaRPr lang="en-US" sz="1600">
+                      <a:endParaRPr lang="en-US" sz="1600" dirty="0">
                         <a:effectLst/>
                         <a:latin typeface="Cambria" panose="02040503050406030204" pitchFamily="18" charset="0"/>
                         <a:ea typeface="Cambria" panose="02040503050406030204" pitchFamily="18" charset="0"/>
@@ -22915,12 +22888,12 @@
                         </a:spcAft>
                       </a:pPr>
                       <a:r>
-                        <a:rPr lang="en-US" sz="1600">
+                        <a:rPr lang="en-US" sz="1600" dirty="0">
                           <a:effectLst/>
                         </a:rPr>
                         <a:t>0.0053</a:t>
                       </a:r>
-                      <a:endParaRPr lang="en-US" sz="1600">
+                      <a:endParaRPr lang="en-US" sz="1600" dirty="0">
                         <a:effectLst/>
                         <a:latin typeface="Cambria" panose="02040503050406030204" pitchFamily="18" charset="0"/>
                         <a:ea typeface="Cambria" panose="02040503050406030204" pitchFamily="18" charset="0"/>
@@ -22944,12 +22917,12 @@
                         </a:spcAft>
                       </a:pPr>
                       <a:r>
-                        <a:rPr lang="en-US" sz="1600">
+                        <a:rPr lang="en-US" sz="1600" dirty="0">
                           <a:effectLst/>
                         </a:rPr>
                         <a:t>0.0081</a:t>
                       </a:r>
-                      <a:endParaRPr lang="en-US" sz="1600">
+                      <a:endParaRPr lang="en-US" sz="1600" dirty="0">
                         <a:effectLst/>
                         <a:latin typeface="Cambria" panose="02040503050406030204" pitchFamily="18" charset="0"/>
                         <a:ea typeface="Cambria" panose="02040503050406030204" pitchFamily="18" charset="0"/>
@@ -22973,12 +22946,12 @@
                         </a:spcAft>
                       </a:pPr>
                       <a:r>
-                        <a:rPr lang="en-US" sz="1600">
+                        <a:rPr lang="en-US" sz="1600" dirty="0">
                           <a:effectLst/>
                         </a:rPr>
                         <a:t>-0.0157</a:t>
                       </a:r>
-                      <a:endParaRPr lang="en-US" sz="1600">
+                      <a:endParaRPr lang="en-US" sz="1600" dirty="0">
                         <a:effectLst/>
                         <a:latin typeface="Cambria" panose="02040503050406030204" pitchFamily="18" charset="0"/>
                         <a:ea typeface="Cambria" panose="02040503050406030204" pitchFamily="18" charset="0"/>
@@ -23002,12 +22975,12 @@
                         </a:spcAft>
                       </a:pPr>
                       <a:r>
-                        <a:rPr lang="en-US" sz="1600">
+                        <a:rPr lang="en-US" sz="1600" dirty="0">
                           <a:effectLst/>
                         </a:rPr>
                         <a:t>-0.0018</a:t>
                       </a:r>
-                      <a:endParaRPr lang="en-US" sz="1600">
+                      <a:endParaRPr lang="en-US" sz="1600" dirty="0">
                         <a:effectLst/>
                         <a:latin typeface="Cambria" panose="02040503050406030204" pitchFamily="18" charset="0"/>
                         <a:ea typeface="Cambria" panose="02040503050406030204" pitchFamily="18" charset="0"/>
@@ -23031,12 +23004,12 @@
                         </a:spcAft>
                       </a:pPr>
                       <a:r>
-                        <a:rPr lang="en-US" sz="1600">
+                        <a:rPr lang="en-US" sz="1600" dirty="0">
                           <a:effectLst/>
                         </a:rPr>
                         <a:t>1.0000</a:t>
                       </a:r>
-                      <a:endParaRPr lang="en-US" sz="1600">
+                      <a:endParaRPr lang="en-US" sz="1600" dirty="0">
                         <a:effectLst/>
                         <a:latin typeface="Cambria" panose="02040503050406030204" pitchFamily="18" charset="0"/>
                         <a:ea typeface="Cambria" panose="02040503050406030204" pitchFamily="18" charset="0"/>
@@ -23060,12 +23033,12 @@
                         </a:spcAft>
                       </a:pPr>
                       <a:r>
-                        <a:rPr lang="en-US" sz="1600">
+                        <a:rPr lang="en-US" sz="1600" dirty="0">
                           <a:effectLst/>
                         </a:rPr>
                         <a:t>0.0142</a:t>
                       </a:r>
-                      <a:endParaRPr lang="en-US" sz="1600">
+                      <a:endParaRPr lang="en-US" sz="1600" dirty="0">
                         <a:effectLst/>
                         <a:latin typeface="Cambria" panose="02040503050406030204" pitchFamily="18" charset="0"/>
                         <a:ea typeface="Cambria" panose="02040503050406030204" pitchFamily="18" charset="0"/>
@@ -23089,12 +23062,12 @@
                         </a:spcAft>
                       </a:pPr>
                       <a:r>
-                        <a:rPr lang="en-US" sz="1600">
+                        <a:rPr lang="en-US" sz="1600" dirty="0">
                           <a:effectLst/>
                         </a:rPr>
                         <a:t>-0.0004</a:t>
                       </a:r>
-                      <a:endParaRPr lang="en-US" sz="1600">
+                      <a:endParaRPr lang="en-US" sz="1600" dirty="0">
                         <a:effectLst/>
                         <a:latin typeface="Cambria" panose="02040503050406030204" pitchFamily="18" charset="0"/>
                         <a:ea typeface="Cambria" panose="02040503050406030204" pitchFamily="18" charset="0"/>
@@ -23125,12 +23098,12 @@
                         </a:spcAft>
                       </a:pPr>
                       <a:r>
-                        <a:rPr lang="en-US" sz="1600">
+                        <a:rPr lang="en-US" sz="1600" dirty="0">
                           <a:effectLst/>
                         </a:rPr>
                         <a:t>x9</a:t>
                       </a:r>
-                      <a:endParaRPr lang="en-US" sz="1600">
+                      <a:endParaRPr lang="en-US" sz="1600" dirty="0">
                         <a:effectLst/>
                         <a:latin typeface="Cambria" panose="02040503050406030204" pitchFamily="18" charset="0"/>
                         <a:ea typeface="Cambria" panose="02040503050406030204" pitchFamily="18" charset="0"/>
@@ -23154,12 +23127,12 @@
                         </a:spcAft>
                       </a:pPr>
                       <a:r>
-                        <a:rPr lang="en-US" sz="1600">
+                        <a:rPr lang="en-US" sz="1600" dirty="0">
                           <a:effectLst/>
                         </a:rPr>
                         <a:t>0.0142</a:t>
                       </a:r>
-                      <a:endParaRPr lang="en-US" sz="1600">
+                      <a:endParaRPr lang="en-US" sz="1600" dirty="0">
                         <a:effectLst/>
                         <a:latin typeface="Cambria" panose="02040503050406030204" pitchFamily="18" charset="0"/>
                         <a:ea typeface="Cambria" panose="02040503050406030204" pitchFamily="18" charset="0"/>
@@ -23183,12 +23156,12 @@
                         </a:spcAft>
                       </a:pPr>
                       <a:r>
-                        <a:rPr lang="en-US" sz="1600">
+                        <a:rPr lang="en-US" sz="1600" dirty="0">
                           <a:effectLst/>
                         </a:rPr>
                         <a:t>0.0049</a:t>
                       </a:r>
-                      <a:endParaRPr lang="en-US" sz="1600">
+                      <a:endParaRPr lang="en-US" sz="1600" dirty="0">
                         <a:effectLst/>
                         <a:latin typeface="Cambria" panose="02040503050406030204" pitchFamily="18" charset="0"/>
                         <a:ea typeface="Cambria" panose="02040503050406030204" pitchFamily="18" charset="0"/>
@@ -23212,12 +23185,12 @@
                         </a:spcAft>
                       </a:pPr>
                       <a:r>
-                        <a:rPr lang="en-US" sz="1600">
+                        <a:rPr lang="en-US" sz="1600" dirty="0">
                           <a:effectLst/>
                         </a:rPr>
                         <a:t>0.0167</a:t>
                       </a:r>
-                      <a:endParaRPr lang="en-US" sz="1600">
+                      <a:endParaRPr lang="en-US" sz="1600" dirty="0">
                         <a:effectLst/>
                         <a:latin typeface="Cambria" panose="02040503050406030204" pitchFamily="18" charset="0"/>
                         <a:ea typeface="Cambria" panose="02040503050406030204" pitchFamily="18" charset="0"/>
@@ -23241,12 +23214,12 @@
                         </a:spcAft>
                       </a:pPr>
                       <a:r>
-                        <a:rPr lang="en-US" sz="1600">
+                        <a:rPr lang="en-US" sz="1600" dirty="0">
                           <a:effectLst/>
                         </a:rPr>
                         <a:t>0.0061</a:t>
                       </a:r>
-                      <a:endParaRPr lang="en-US" sz="1600">
+                      <a:endParaRPr lang="en-US" sz="1600" dirty="0">
                         <a:effectLst/>
                         <a:latin typeface="Cambria" panose="02040503050406030204" pitchFamily="18" charset="0"/>
                         <a:ea typeface="Cambria" panose="02040503050406030204" pitchFamily="18" charset="0"/>
@@ -23270,12 +23243,12 @@
                         </a:spcAft>
                       </a:pPr>
                       <a:r>
-                        <a:rPr lang="en-US" sz="1600">
+                        <a:rPr lang="en-US" sz="1600" dirty="0">
                           <a:effectLst/>
                         </a:rPr>
                         <a:t>0.0259</a:t>
                       </a:r>
-                      <a:endParaRPr lang="en-US" sz="1600">
+                      <a:endParaRPr lang="en-US" sz="1600" dirty="0">
                         <a:effectLst/>
                         <a:latin typeface="Cambria" panose="02040503050406030204" pitchFamily="18" charset="0"/>
                         <a:ea typeface="Cambria" panose="02040503050406030204" pitchFamily="18" charset="0"/>
@@ -23299,12 +23272,12 @@
                         </a:spcAft>
                       </a:pPr>
                       <a:r>
-                        <a:rPr lang="en-US" sz="1600">
+                        <a:rPr lang="en-US" sz="1600" dirty="0">
                           <a:effectLst/>
                         </a:rPr>
                         <a:t>0.0117</a:t>
                       </a:r>
-                      <a:endParaRPr lang="en-US" sz="1600">
+                      <a:endParaRPr lang="en-US" sz="1600" dirty="0">
                         <a:effectLst/>
                         <a:latin typeface="Cambria" panose="02040503050406030204" pitchFamily="18" charset="0"/>
                         <a:ea typeface="Cambria" panose="02040503050406030204" pitchFamily="18" charset="0"/>
@@ -23415,12 +23388,12 @@
                         </a:spcAft>
                       </a:pPr>
                       <a:r>
-                        <a:rPr lang="en-US" sz="1600">
+                        <a:rPr lang="en-US" sz="1600" dirty="0">
                           <a:effectLst/>
                         </a:rPr>
                         <a:t>0.0149</a:t>
                       </a:r>
-                      <a:endParaRPr lang="en-US" sz="1600">
+                      <a:endParaRPr lang="en-US" sz="1600" dirty="0">
                         <a:effectLst/>
                         <a:latin typeface="Cambria" panose="02040503050406030204" pitchFamily="18" charset="0"/>
                         <a:ea typeface="Cambria" panose="02040503050406030204" pitchFamily="18" charset="0"/>
@@ -23451,12 +23424,12 @@
                         </a:spcAft>
                       </a:pPr>
                       <a:r>
-                        <a:rPr lang="en-US" sz="1600">
+                        <a:rPr lang="en-US" sz="1600" dirty="0">
                           <a:effectLst/>
                         </a:rPr>
                         <a:t>x10</a:t>
                       </a:r>
-                      <a:endParaRPr lang="en-US" sz="1600">
+                      <a:endParaRPr lang="en-US" sz="1600" dirty="0">
                         <a:effectLst/>
                         <a:latin typeface="Cambria" panose="02040503050406030204" pitchFamily="18" charset="0"/>
                         <a:ea typeface="Cambria" panose="02040503050406030204" pitchFamily="18" charset="0"/>
@@ -23480,12 +23453,12 @@
                         </a:spcAft>
                       </a:pPr>
                       <a:r>
-                        <a:rPr lang="en-US" sz="1600">
+                        <a:rPr lang="en-US" sz="1600" dirty="0">
                           <a:effectLst/>
                         </a:rPr>
                         <a:t>0.0013</a:t>
                       </a:r>
-                      <a:endParaRPr lang="en-US" sz="1600">
+                      <a:endParaRPr lang="en-US" sz="1600" dirty="0">
                         <a:effectLst/>
                         <a:latin typeface="Cambria" panose="02040503050406030204" pitchFamily="18" charset="0"/>
                         <a:ea typeface="Cambria" panose="02040503050406030204" pitchFamily="18" charset="0"/>
@@ -23509,12 +23482,12 @@
                         </a:spcAft>
                       </a:pPr>
                       <a:r>
-                        <a:rPr lang="en-US" sz="1600">
+                        <a:rPr lang="en-US" sz="1600" dirty="0">
                           <a:effectLst/>
                         </a:rPr>
                         <a:t>-0.0214</a:t>
                       </a:r>
-                      <a:endParaRPr lang="en-US" sz="1600">
+                      <a:endParaRPr lang="en-US" sz="1600" dirty="0">
                         <a:effectLst/>
                         <a:latin typeface="Cambria" panose="02040503050406030204" pitchFamily="18" charset="0"/>
                         <a:ea typeface="Cambria" panose="02040503050406030204" pitchFamily="18" charset="0"/>
@@ -23538,12 +23511,12 @@
                         </a:spcAft>
                       </a:pPr>
                       <a:r>
-                        <a:rPr lang="en-US" sz="1600">
+                        <a:rPr lang="en-US" sz="1600" dirty="0">
                           <a:effectLst/>
                         </a:rPr>
                         <a:t>-0.0137</a:t>
                       </a:r>
-                      <a:endParaRPr lang="en-US" sz="1600">
+                      <a:endParaRPr lang="en-US" sz="1600" dirty="0">
                         <a:effectLst/>
                         <a:latin typeface="Cambria" panose="02040503050406030204" pitchFamily="18" charset="0"/>
                         <a:ea typeface="Cambria" panose="02040503050406030204" pitchFamily="18" charset="0"/>
@@ -23567,12 +23540,12 @@
                         </a:spcAft>
                       </a:pPr>
                       <a:r>
-                        <a:rPr lang="en-US" sz="1600">
+                        <a:rPr lang="en-US" sz="1600" dirty="0">
                           <a:effectLst/>
                         </a:rPr>
                         <a:t>-0.0023</a:t>
                       </a:r>
-                      <a:endParaRPr lang="en-US" sz="1600">
+                      <a:endParaRPr lang="en-US" sz="1600" dirty="0">
                         <a:effectLst/>
                         <a:latin typeface="Cambria" panose="02040503050406030204" pitchFamily="18" charset="0"/>
                         <a:ea typeface="Cambria" panose="02040503050406030204" pitchFamily="18" charset="0"/>
@@ -23596,12 +23569,12 @@
                         </a:spcAft>
                       </a:pPr>
                       <a:r>
-                        <a:rPr lang="en-US" sz="1600">
+                        <a:rPr lang="en-US" sz="1600" dirty="0">
                           <a:effectLst/>
                         </a:rPr>
                         <a:t>-0.0081</a:t>
                       </a:r>
-                      <a:endParaRPr lang="en-US" sz="1600">
+                      <a:endParaRPr lang="en-US" sz="1600" dirty="0">
                         <a:effectLst/>
                         <a:latin typeface="Cambria" panose="02040503050406030204" pitchFamily="18" charset="0"/>
                         <a:ea typeface="Cambria" panose="02040503050406030204" pitchFamily="18" charset="0"/>
@@ -23625,12 +23598,12 @@
                         </a:spcAft>
                       </a:pPr>
                       <a:r>
-                        <a:rPr lang="en-US" sz="1600">
+                        <a:rPr lang="en-US" sz="1600" dirty="0">
                           <a:effectLst/>
                         </a:rPr>
                         <a:t>-0.0072</a:t>
                       </a:r>
-                      <a:endParaRPr lang="en-US" sz="1600">
+                      <a:endParaRPr lang="en-US" sz="1600" dirty="0">
                         <a:effectLst/>
                         <a:latin typeface="Cambria" panose="02040503050406030204" pitchFamily="18" charset="0"/>
                         <a:ea typeface="Cambria" panose="02040503050406030204" pitchFamily="18" charset="0"/>
@@ -23654,12 +23627,12 @@
                         </a:spcAft>
                       </a:pPr>
                       <a:r>
-                        <a:rPr lang="en-US" sz="1600">
+                        <a:rPr lang="en-US" sz="1600" dirty="0">
                           <a:effectLst/>
                         </a:rPr>
                         <a:t>-0.0221</a:t>
                       </a:r>
-                      <a:endParaRPr lang="en-US" sz="1600">
+                      <a:endParaRPr lang="en-US" sz="1600" dirty="0">
                         <a:effectLst/>
                         <a:latin typeface="Cambria" panose="02040503050406030204" pitchFamily="18" charset="0"/>
                         <a:ea typeface="Cambria" panose="02040503050406030204" pitchFamily="18" charset="0"/>
@@ -23683,12 +23656,12 @@
                         </a:spcAft>
                       </a:pPr>
                       <a:r>
-                        <a:rPr lang="en-US" sz="1600">
+                        <a:rPr lang="en-US" sz="1600" dirty="0">
                           <a:effectLst/>
                         </a:rPr>
                         <a:t>-0.0004</a:t>
                       </a:r>
-                      <a:endParaRPr lang="en-US" sz="1600">
+                      <a:endParaRPr lang="en-US" sz="1600" dirty="0">
                         <a:effectLst/>
                         <a:latin typeface="Cambria" panose="02040503050406030204" pitchFamily="18" charset="0"/>
                         <a:ea typeface="Cambria" panose="02040503050406030204" pitchFamily="18" charset="0"/>
@@ -23802,20 +23775,12 @@
               </a:spcAft>
             </a:pPr>
             <a:r>
-              <a:rPr lang="en-US" dirty="0" err="1">
-                <a:latin typeface="Consolas" panose="020B0609020204030204" pitchFamily="49" charset="0"/>
-                <a:ea typeface="Cambria" panose="02040503050406030204" pitchFamily="18" charset="0"/>
-                <a:cs typeface="Times New Roman" panose="02020603050405020304" pitchFamily="18" charset="0"/>
-              </a:rPr>
-              <a:t>vifDF</a:t>
-            </a:r>
-            <a:r>
               <a:rPr lang="en-US" dirty="0">
                 <a:latin typeface="Consolas" panose="020B0609020204030204" pitchFamily="49" charset="0"/>
                 <a:ea typeface="Cambria" panose="02040503050406030204" pitchFamily="18" charset="0"/>
                 <a:cs typeface="Times New Roman" panose="02020603050405020304" pitchFamily="18" charset="0"/>
               </a:rPr>
-              <a:t> =</a:t>
+              <a:t>vifDF =</a:t>
             </a:r>
             <a:r>
               <a:rPr lang="en-US" dirty="0">
@@ -23829,7 +23794,7 @@
               <a:t> </a:t>
             </a:r>
             <a:r>
-              <a:rPr lang="en-US" dirty="0" err="1">
+              <a:rPr lang="en-US" dirty="0">
                 <a:latin typeface="Consolas" panose="020B0609020204030204" pitchFamily="49" charset="0"/>
                 <a:ea typeface="Cambria" panose="02040503050406030204" pitchFamily="18" charset="0"/>
                 <a:cs typeface="Times New Roman" panose="02020603050405020304" pitchFamily="18" charset="0"/>
@@ -23848,7 +23813,7 @@
               <a:t>::</a:t>
             </a:r>
             <a:r>
-              <a:rPr lang="en-US" b="1" dirty="0" err="1">
+              <a:rPr lang="en-US" b="1" dirty="0">
                 <a:solidFill>
                   <a:srgbClr val="204A87"/>
                 </a:solidFill>
@@ -23867,7 +23832,7 @@
               <a:t>(</a:t>
             </a:r>
             <a:r>
-              <a:rPr lang="en-US" b="1" dirty="0" err="1">
+              <a:rPr lang="en-US" b="1" dirty="0">
                 <a:solidFill>
                   <a:srgbClr val="204A87"/>
                 </a:solidFill>
@@ -23883,23 +23848,7 @@
                 <a:ea typeface="Cambria" panose="02040503050406030204" pitchFamily="18" charset="0"/>
                 <a:cs typeface="Times New Roman" panose="02020603050405020304" pitchFamily="18" charset="0"/>
               </a:rPr>
-              <a:t>(</a:t>
-            </a:r>
-            <a:r>
-              <a:rPr lang="en-US" dirty="0" err="1">
-                <a:latin typeface="Consolas" panose="020B0609020204030204" pitchFamily="49" charset="0"/>
-                <a:ea typeface="Cambria" panose="02040503050406030204" pitchFamily="18" charset="0"/>
-                <a:cs typeface="Times New Roman" panose="02020603050405020304" pitchFamily="18" charset="0"/>
-              </a:rPr>
-              <a:t>data,predictors</a:t>
-            </a:r>
-            <a:r>
-              <a:rPr lang="en-US" dirty="0">
-                <a:latin typeface="Consolas" panose="020B0609020204030204" pitchFamily="49" charset="0"/>
-                <a:ea typeface="Cambria" panose="02040503050406030204" pitchFamily="18" charset="0"/>
-                <a:cs typeface="Times New Roman" panose="02020603050405020304" pitchFamily="18" charset="0"/>
-              </a:rPr>
-              <a:t>)) </a:t>
+              <a:t>(data,predictors)) </a:t>
             </a:r>
             <a:r>
               <a:rPr lang="en-US" b="1" dirty="0">
@@ -24347,7 +24296,7 @@
           <a:p>
             <a:r>
               <a:rPr lang="en-US" dirty="0"/>
-              <a:t>Correlation of Features to Outputs</a:t>
+              <a:t>Correlation of Features to y3.log</a:t>
             </a:r>
           </a:p>
           <a:p>
@@ -24830,12 +24779,12 @@
                         </a:spcAft>
                       </a:pPr>
                       <a:r>
-                        <a:rPr lang="en-US" sz="1600">
+                        <a:rPr lang="en-US" sz="1600" dirty="0">
                           <a:effectLst/>
                         </a:rPr>
                         <a:t>0.0611</a:t>
                       </a:r>
-                      <a:endParaRPr lang="en-US" sz="1600">
+                      <a:endParaRPr lang="en-US" sz="1600" dirty="0">
                         <a:effectLst/>
                         <a:latin typeface="Cambria" panose="02040503050406030204" pitchFamily="18" charset="0"/>
                         <a:ea typeface="Cambria" panose="02040503050406030204" pitchFamily="18" charset="0"/>
@@ -24895,12 +24844,12 @@
                         </a:spcAft>
                       </a:pPr>
                       <a:r>
-                        <a:rPr lang="en-US" sz="1600">
+                        <a:rPr lang="en-US" sz="1600" dirty="0">
                           <a:effectLst/>
                         </a:rPr>
                         <a:t>0.0489</a:t>
                       </a:r>
-                      <a:endParaRPr lang="en-US" sz="1600">
+                      <a:endParaRPr lang="en-US" sz="1600" dirty="0">
                         <a:effectLst/>
                         <a:latin typeface="Cambria" panose="02040503050406030204" pitchFamily="18" charset="0"/>
                         <a:ea typeface="Cambria" panose="02040503050406030204" pitchFamily="18" charset="0"/>
@@ -24960,12 +24909,12 @@
                         </a:spcAft>
                       </a:pPr>
                       <a:r>
-                        <a:rPr lang="en-US" sz="1600">
+                        <a:rPr lang="en-US" sz="1600" dirty="0">
                           <a:effectLst/>
                         </a:rPr>
                         <a:t>0.0472</a:t>
                       </a:r>
-                      <a:endParaRPr lang="en-US" sz="1600">
+                      <a:endParaRPr lang="en-US" sz="1600" dirty="0">
                         <a:effectLst/>
                         <a:latin typeface="Cambria" panose="02040503050406030204" pitchFamily="18" charset="0"/>
                         <a:ea typeface="Cambria" panose="02040503050406030204" pitchFamily="18" charset="0"/>
@@ -25025,12 +24974,12 @@
                         </a:spcAft>
                       </a:pPr>
                       <a:r>
-                        <a:rPr lang="en-US" sz="1600">
+                        <a:rPr lang="en-US" sz="1600" dirty="0">
                           <a:effectLst/>
                         </a:rPr>
                         <a:t>0.0412</a:t>
                       </a:r>
-                      <a:endParaRPr lang="en-US" sz="1600">
+                      <a:endParaRPr lang="en-US" sz="1600" dirty="0">
                         <a:effectLst/>
                         <a:latin typeface="Cambria" panose="02040503050406030204" pitchFamily="18" charset="0"/>
                         <a:ea typeface="Cambria" panose="02040503050406030204" pitchFamily="18" charset="0"/>
@@ -25090,12 +25039,12 @@
                         </a:spcAft>
                       </a:pPr>
                       <a:r>
-                        <a:rPr lang="en-US" sz="1600">
+                        <a:rPr lang="en-US" sz="1600" dirty="0">
                           <a:effectLst/>
                         </a:rPr>
                         <a:t>0.0322</a:t>
                       </a:r>
-                      <a:endParaRPr lang="en-US" sz="1600">
+                      <a:endParaRPr lang="en-US" sz="1600" dirty="0">
                         <a:effectLst/>
                         <a:latin typeface="Cambria" panose="02040503050406030204" pitchFamily="18" charset="0"/>
                         <a:ea typeface="Cambria" panose="02040503050406030204" pitchFamily="18" charset="0"/>
@@ -25155,12 +25104,12 @@
                         </a:spcAft>
                       </a:pPr>
                       <a:r>
-                        <a:rPr lang="en-US" sz="1600">
+                        <a:rPr lang="en-US" sz="1600" dirty="0">
                           <a:effectLst/>
                         </a:rPr>
                         <a:t>0.0318</a:t>
                       </a:r>
-                      <a:endParaRPr lang="en-US" sz="1600">
+                      <a:endParaRPr lang="en-US" sz="1600" dirty="0">
                         <a:effectLst/>
                         <a:latin typeface="Cambria" panose="02040503050406030204" pitchFamily="18" charset="0"/>
                         <a:ea typeface="Cambria" panose="02040503050406030204" pitchFamily="18" charset="0"/>
@@ -25220,12 +25169,12 @@
                         </a:spcAft>
                       </a:pPr>
                       <a:r>
-                        <a:rPr lang="en-US" sz="1600">
+                        <a:rPr lang="en-US" sz="1600" dirty="0">
                           <a:effectLst/>
                         </a:rPr>
                         <a:t>0.0287</a:t>
                       </a:r>
-                      <a:endParaRPr lang="en-US" sz="1600">
+                      <a:endParaRPr lang="en-US" sz="1600" dirty="0">
                         <a:effectLst/>
                         <a:latin typeface="Cambria" panose="02040503050406030204" pitchFamily="18" charset="0"/>
                         <a:ea typeface="Cambria" panose="02040503050406030204" pitchFamily="18" charset="0"/>
@@ -25285,12 +25234,12 @@
                         </a:spcAft>
                       </a:pPr>
                       <a:r>
-                        <a:rPr lang="en-US" sz="1600">
+                        <a:rPr lang="en-US" sz="1600" dirty="0">
                           <a:effectLst/>
                         </a:rPr>
                         <a:t>0.0234</a:t>
                       </a:r>
-                      <a:endParaRPr lang="en-US" sz="1600">
+                      <a:endParaRPr lang="en-US" sz="1600" dirty="0">
                         <a:effectLst/>
                         <a:latin typeface="Cambria" panose="02040503050406030204" pitchFamily="18" charset="0"/>
                         <a:ea typeface="Cambria" panose="02040503050406030204" pitchFamily="18" charset="0"/>
@@ -25350,12 +25299,12 @@
                         </a:spcAft>
                       </a:pPr>
                       <a:r>
-                        <a:rPr lang="en-US" sz="1600">
+                        <a:rPr lang="en-US" sz="1600" dirty="0">
                           <a:effectLst/>
                         </a:rPr>
                         <a:t>0.0206</a:t>
                       </a:r>
-                      <a:endParaRPr lang="en-US" sz="1600">
+                      <a:endParaRPr lang="en-US" sz="1600" dirty="0">
                         <a:effectLst/>
                         <a:latin typeface="Cambria" panose="02040503050406030204" pitchFamily="18" charset="0"/>
                         <a:ea typeface="Cambria" panose="02040503050406030204" pitchFamily="18" charset="0"/>
@@ -25415,12 +25364,12 @@
                         </a:spcAft>
                       </a:pPr>
                       <a:r>
-                        <a:rPr lang="en-US" sz="1600">
+                        <a:rPr lang="en-US" sz="1600" dirty="0">
                           <a:effectLst/>
                         </a:rPr>
                         <a:t>0.0203</a:t>
                       </a:r>
-                      <a:endParaRPr lang="en-US" sz="1600">
+                      <a:endParaRPr lang="en-US" sz="1600" dirty="0">
                         <a:effectLst/>
                         <a:latin typeface="Cambria" panose="02040503050406030204" pitchFamily="18" charset="0"/>
                         <a:ea typeface="Cambria" panose="02040503050406030204" pitchFamily="18" charset="0"/>
@@ -25480,12 +25429,12 @@
                         </a:spcAft>
                       </a:pPr>
                       <a:r>
-                        <a:rPr lang="en-US" sz="1600">
+                        <a:rPr lang="en-US" sz="1600" dirty="0">
                           <a:effectLst/>
                         </a:rPr>
                         <a:t>0.0202</a:t>
                       </a:r>
-                      <a:endParaRPr lang="en-US" sz="1600">
+                      <a:endParaRPr lang="en-US" sz="1600" dirty="0">
                         <a:effectLst/>
                         <a:latin typeface="Cambria" panose="02040503050406030204" pitchFamily="18" charset="0"/>
                         <a:ea typeface="Cambria" panose="02040503050406030204" pitchFamily="18" charset="0"/>
@@ -25545,12 +25494,12 @@
                         </a:spcAft>
                       </a:pPr>
                       <a:r>
-                        <a:rPr lang="en-US" sz="1600">
+                        <a:rPr lang="en-US" sz="1600" dirty="0">
                           <a:effectLst/>
                         </a:rPr>
                         <a:t>0.0199</a:t>
                       </a:r>
-                      <a:endParaRPr lang="en-US" sz="1600">
+                      <a:endParaRPr lang="en-US" sz="1600" dirty="0">
                         <a:effectLst/>
                         <a:latin typeface="Cambria" panose="02040503050406030204" pitchFamily="18" charset="0"/>
                         <a:ea typeface="Cambria" panose="02040503050406030204" pitchFamily="18" charset="0"/>
@@ -25610,12 +25559,12 @@
                         </a:spcAft>
                       </a:pPr>
                       <a:r>
-                        <a:rPr lang="en-US" sz="1600">
+                        <a:rPr lang="en-US" sz="1600" dirty="0">
                           <a:effectLst/>
                         </a:rPr>
                         <a:t>0.0199</a:t>
                       </a:r>
-                      <a:endParaRPr lang="en-US" sz="1600">
+                      <a:endParaRPr lang="en-US" sz="1600" dirty="0">
                         <a:effectLst/>
                         <a:latin typeface="Cambria" panose="02040503050406030204" pitchFamily="18" charset="0"/>
                         <a:ea typeface="Cambria" panose="02040503050406030204" pitchFamily="18" charset="0"/>
@@ -25675,12 +25624,12 @@
                         </a:spcAft>
                       </a:pPr>
                       <a:r>
-                        <a:rPr lang="en-US" sz="1600">
+                        <a:rPr lang="en-US" sz="1600" dirty="0">
                           <a:effectLst/>
                         </a:rPr>
                         <a:t>0.0194</a:t>
                       </a:r>
-                      <a:endParaRPr lang="en-US" sz="1600">
+                      <a:endParaRPr lang="en-US" sz="1600" dirty="0">
                         <a:effectLst/>
                         <a:latin typeface="Cambria" panose="02040503050406030204" pitchFamily="18" charset="0"/>
                         <a:ea typeface="Cambria" panose="02040503050406030204" pitchFamily="18" charset="0"/>
@@ -25740,12 +25689,12 @@
                         </a:spcAft>
                       </a:pPr>
                       <a:r>
-                        <a:rPr lang="en-US" sz="1600">
+                        <a:rPr lang="en-US" sz="1600" dirty="0">
                           <a:effectLst/>
                         </a:rPr>
                         <a:t>0.0192</a:t>
                       </a:r>
-                      <a:endParaRPr lang="en-US" sz="1600">
+                      <a:endParaRPr lang="en-US" sz="1600" dirty="0">
                         <a:effectLst/>
                         <a:latin typeface="Cambria" panose="02040503050406030204" pitchFamily="18" charset="0"/>
                         <a:ea typeface="Cambria" panose="02040503050406030204" pitchFamily="18" charset="0"/>
@@ -25920,12 +25869,12 @@
                         </a:spcAft>
                       </a:pPr>
                       <a:r>
-                        <a:rPr lang="en-US" sz="1600">
+                        <a:rPr lang="en-US" sz="1600" dirty="0">
                           <a:effectLst/>
                         </a:rPr>
                         <a:t>y3.log</a:t>
                       </a:r>
-                      <a:endParaRPr lang="en-US" sz="1600">
+                      <a:endParaRPr lang="en-US" sz="1600" dirty="0">
                         <a:effectLst/>
                         <a:latin typeface="Cambria" panose="02040503050406030204" pitchFamily="18" charset="0"/>
                         <a:ea typeface="Cambria" panose="02040503050406030204" pitchFamily="18" charset="0"/>
@@ -26127,12 +26076,12 @@
                         </a:spcAft>
                       </a:pPr>
                       <a:r>
-                        <a:rPr lang="en-US" sz="1600">
+                        <a:rPr lang="en-US" sz="1600" dirty="0">
                           <a:effectLst/>
                         </a:rPr>
                         <a:t>-0.0345</a:t>
                       </a:r>
-                      <a:endParaRPr lang="en-US" sz="1600">
+                      <a:endParaRPr lang="en-US" sz="1600" dirty="0">
                         <a:effectLst/>
                         <a:latin typeface="Cambria" panose="02040503050406030204" pitchFamily="18" charset="0"/>
                         <a:ea typeface="Cambria" panose="02040503050406030204" pitchFamily="18" charset="0"/>
@@ -26192,12 +26141,12 @@
                         </a:spcAft>
                       </a:pPr>
                       <a:r>
-                        <a:rPr lang="en-US" sz="1600">
+                        <a:rPr lang="en-US" sz="1600" dirty="0">
                           <a:effectLst/>
                         </a:rPr>
                         <a:t>-0.0345</a:t>
                       </a:r>
-                      <a:endParaRPr lang="en-US" sz="1600">
+                      <a:endParaRPr lang="en-US" sz="1600" dirty="0">
                         <a:effectLst/>
                         <a:latin typeface="Cambria" panose="02040503050406030204" pitchFamily="18" charset="0"/>
                         <a:ea typeface="Cambria" panose="02040503050406030204" pitchFamily="18" charset="0"/>
@@ -26257,12 +26206,12 @@
                         </a:spcAft>
                       </a:pPr>
                       <a:r>
-                        <a:rPr lang="en-US" sz="1600">
+                        <a:rPr lang="en-US" sz="1600" dirty="0">
                           <a:effectLst/>
                         </a:rPr>
                         <a:t>-0.0317</a:t>
                       </a:r>
-                      <a:endParaRPr lang="en-US" sz="1600">
+                      <a:endParaRPr lang="en-US" sz="1600" dirty="0">
                         <a:effectLst/>
                         <a:latin typeface="Cambria" panose="02040503050406030204" pitchFamily="18" charset="0"/>
                         <a:ea typeface="Cambria" panose="02040503050406030204" pitchFamily="18" charset="0"/>
@@ -26322,12 +26271,12 @@
                         </a:spcAft>
                       </a:pPr>
                       <a:r>
-                        <a:rPr lang="en-US" sz="1600">
+                        <a:rPr lang="en-US" sz="1600" dirty="0">
                           <a:effectLst/>
                         </a:rPr>
                         <a:t>-0.0309</a:t>
                       </a:r>
-                      <a:endParaRPr lang="en-US" sz="1600">
+                      <a:endParaRPr lang="en-US" sz="1600" dirty="0">
                         <a:effectLst/>
                         <a:latin typeface="Cambria" panose="02040503050406030204" pitchFamily="18" charset="0"/>
                         <a:ea typeface="Cambria" panose="02040503050406030204" pitchFamily="18" charset="0"/>
@@ -26387,12 +26336,12 @@
                         </a:spcAft>
                       </a:pPr>
                       <a:r>
-                        <a:rPr lang="en-US" sz="1600">
+                        <a:rPr lang="en-US" sz="1600" dirty="0">
                           <a:effectLst/>
                         </a:rPr>
                         <a:t>-0.0279</a:t>
                       </a:r>
-                      <a:endParaRPr lang="en-US" sz="1600">
+                      <a:endParaRPr lang="en-US" sz="1600" dirty="0">
                         <a:effectLst/>
                         <a:latin typeface="Cambria" panose="02040503050406030204" pitchFamily="18" charset="0"/>
                         <a:ea typeface="Cambria" panose="02040503050406030204" pitchFamily="18" charset="0"/>
@@ -26452,12 +26401,12 @@
                         </a:spcAft>
                       </a:pPr>
                       <a:r>
-                        <a:rPr lang="en-US" sz="1600">
+                        <a:rPr lang="en-US" sz="1600" dirty="0">
                           <a:effectLst/>
                         </a:rPr>
                         <a:t>-0.0248</a:t>
                       </a:r>
-                      <a:endParaRPr lang="en-US" sz="1600">
+                      <a:endParaRPr lang="en-US" sz="1600" dirty="0">
                         <a:effectLst/>
                         <a:latin typeface="Cambria" panose="02040503050406030204" pitchFamily="18" charset="0"/>
                         <a:ea typeface="Cambria" panose="02040503050406030204" pitchFamily="18" charset="0"/>
@@ -26517,12 +26466,12 @@
                         </a:spcAft>
                       </a:pPr>
                       <a:r>
-                        <a:rPr lang="en-US" sz="1600">
+                        <a:rPr lang="en-US" sz="1600" dirty="0">
                           <a:effectLst/>
                         </a:rPr>
                         <a:t>-0.0236</a:t>
                       </a:r>
-                      <a:endParaRPr lang="en-US" sz="1600">
+                      <a:endParaRPr lang="en-US" sz="1600" dirty="0">
                         <a:effectLst/>
                         <a:latin typeface="Cambria" panose="02040503050406030204" pitchFamily="18" charset="0"/>
                         <a:ea typeface="Cambria" panose="02040503050406030204" pitchFamily="18" charset="0"/>
@@ -26582,12 +26531,12 @@
                         </a:spcAft>
                       </a:pPr>
                       <a:r>
-                        <a:rPr lang="en-US" sz="1600">
+                        <a:rPr lang="en-US" sz="1600" dirty="0">
                           <a:effectLst/>
                         </a:rPr>
                         <a:t>-0.0236</a:t>
                       </a:r>
-                      <a:endParaRPr lang="en-US" sz="1600">
+                      <a:endParaRPr lang="en-US" sz="1600" dirty="0">
                         <a:effectLst/>
                         <a:latin typeface="Cambria" panose="02040503050406030204" pitchFamily="18" charset="0"/>
                         <a:ea typeface="Cambria" panose="02040503050406030204" pitchFamily="18" charset="0"/>
@@ -26647,12 +26596,12 @@
                         </a:spcAft>
                       </a:pPr>
                       <a:r>
-                        <a:rPr lang="en-US" sz="1600">
+                        <a:rPr lang="en-US" sz="1600" dirty="0">
                           <a:effectLst/>
                         </a:rPr>
                         <a:t>-0.0217</a:t>
                       </a:r>
-                      <a:endParaRPr lang="en-US" sz="1600">
+                      <a:endParaRPr lang="en-US" sz="1600" dirty="0">
                         <a:effectLst/>
                         <a:latin typeface="Cambria" panose="02040503050406030204" pitchFamily="18" charset="0"/>
                         <a:ea typeface="Cambria" panose="02040503050406030204" pitchFamily="18" charset="0"/>
@@ -26712,12 +26661,12 @@
                         </a:spcAft>
                       </a:pPr>
                       <a:r>
-                        <a:rPr lang="en-US" sz="1600">
+                        <a:rPr lang="en-US" sz="1600" dirty="0">
                           <a:effectLst/>
                         </a:rPr>
                         <a:t>-0.0210</a:t>
                       </a:r>
-                      <a:endParaRPr lang="en-US" sz="1600">
+                      <a:endParaRPr lang="en-US" sz="1600" dirty="0">
                         <a:effectLst/>
                         <a:latin typeface="Cambria" panose="02040503050406030204" pitchFamily="18" charset="0"/>
                         <a:ea typeface="Cambria" panose="02040503050406030204" pitchFamily="18" charset="0"/>
@@ -26777,12 +26726,12 @@
                         </a:spcAft>
                       </a:pPr>
                       <a:r>
-                        <a:rPr lang="en-US" sz="1600">
+                        <a:rPr lang="en-US" sz="1600" dirty="0">
                           <a:effectLst/>
                         </a:rPr>
                         <a:t>-0.0209</a:t>
                       </a:r>
-                      <a:endParaRPr lang="en-US" sz="1600">
+                      <a:endParaRPr lang="en-US" sz="1600" dirty="0">
                         <a:effectLst/>
                         <a:latin typeface="Cambria" panose="02040503050406030204" pitchFamily="18" charset="0"/>
                         <a:ea typeface="Cambria" panose="02040503050406030204" pitchFamily="18" charset="0"/>
@@ -26842,12 +26791,12 @@
                         </a:spcAft>
                       </a:pPr>
                       <a:r>
-                        <a:rPr lang="en-US" sz="1600">
+                        <a:rPr lang="en-US" sz="1600" dirty="0">
                           <a:effectLst/>
                         </a:rPr>
                         <a:t>-0.0207</a:t>
                       </a:r>
-                      <a:endParaRPr lang="en-US" sz="1600">
+                      <a:endParaRPr lang="en-US" sz="1600" dirty="0">
                         <a:effectLst/>
                         <a:latin typeface="Cambria" panose="02040503050406030204" pitchFamily="18" charset="0"/>
                         <a:ea typeface="Cambria" panose="02040503050406030204" pitchFamily="18" charset="0"/>
@@ -26907,12 +26856,12 @@
                         </a:spcAft>
                       </a:pPr>
                       <a:r>
-                        <a:rPr lang="en-US" sz="1600">
+                        <a:rPr lang="en-US" sz="1600" dirty="0">
                           <a:effectLst/>
                         </a:rPr>
                         <a:t>-0.0202</a:t>
                       </a:r>
-                      <a:endParaRPr lang="en-US" sz="1600">
+                      <a:endParaRPr lang="en-US" sz="1600" dirty="0">
                         <a:effectLst/>
                         <a:latin typeface="Cambria" panose="02040503050406030204" pitchFamily="18" charset="0"/>
                         <a:ea typeface="Cambria" panose="02040503050406030204" pitchFamily="18" charset="0"/>
@@ -26972,12 +26921,12 @@
                         </a:spcAft>
                       </a:pPr>
                       <a:r>
-                        <a:rPr lang="en-US" sz="1600">
+                        <a:rPr lang="en-US" sz="1600" dirty="0">
                           <a:effectLst/>
                         </a:rPr>
                         <a:t>-0.0202</a:t>
                       </a:r>
-                      <a:endParaRPr lang="en-US" sz="1600">
+                      <a:endParaRPr lang="en-US" sz="1600" dirty="0">
                         <a:effectLst/>
                         <a:latin typeface="Cambria" panose="02040503050406030204" pitchFamily="18" charset="0"/>
                         <a:ea typeface="Cambria" panose="02040503050406030204" pitchFamily="18" charset="0"/>
@@ -27102,12 +27051,12 @@
                         </a:spcAft>
                       </a:pPr>
                       <a:r>
-                        <a:rPr lang="en-US" sz="1600">
+                        <a:rPr lang="en-US" sz="1600" dirty="0">
                           <a:effectLst/>
                         </a:rPr>
                         <a:t>-0.0193</a:t>
                       </a:r>
-                      <a:endParaRPr lang="en-US" sz="1600">
+                      <a:endParaRPr lang="en-US" sz="1600" dirty="0">
                         <a:effectLst/>
                         <a:latin typeface="Cambria" panose="02040503050406030204" pitchFamily="18" charset="0"/>
                         <a:ea typeface="Cambria" panose="02040503050406030204" pitchFamily="18" charset="0"/>
@@ -27167,12 +27116,12 @@
                         </a:spcAft>
                       </a:pPr>
                       <a:r>
-                        <a:rPr lang="en-US" sz="1600">
+                        <a:rPr lang="en-US" sz="1600" dirty="0">
                           <a:effectLst/>
                         </a:rPr>
                         <a:t>-0.0192</a:t>
                       </a:r>
-                      <a:endParaRPr lang="en-US" sz="1600">
+                      <a:endParaRPr lang="en-US" sz="1600" dirty="0">
                         <a:effectLst/>
                         <a:latin typeface="Cambria" panose="02040503050406030204" pitchFamily="18" charset="0"/>
                         <a:ea typeface="Cambria" panose="02040503050406030204" pitchFamily="18" charset="0"/>
@@ -27394,7 +27343,7 @@
             <a:pPr lvl="1"/>
             <a:r>
               <a:rPr lang="en-US" dirty="0"/>
-              <a:t>For the most highly correlated features, x18 shows a slight curvature in the scatter plot</a:t>
+              <a:t>For the most highly correlated features, x18, shows a slight curvature in the scatter plot</a:t>
             </a:r>
           </a:p>
           <a:p>
@@ -29963,6 +29912,12 @@
 </file>
 
 <file path=customXml/item1.xml><?xml version="1.0" encoding="utf-8"?>
+<p:properties xmlns:p="http://schemas.microsoft.com/office/2006/metadata/properties" xmlns:xsi="http://www.w3.org/2001/XMLSchema-instance">
+  <documentManagement/>
+</p:properties>
+</file>
+
+<file path=customXml/item2.xml><?xml version="1.0" encoding="utf-8"?>
 <ct:contentTypeSchema xmlns:ct="http://schemas.microsoft.com/office/2006/metadata/contentType" xmlns:ma="http://schemas.microsoft.com/office/2006/metadata/properties/metaAttributes" ct:_="" ma:_="" ma:contentTypeName="Document" ma:contentTypeID="0x010100E3EDEB7213ED1D45A6F9B797BF821331" ma:contentTypeVersion="0" ma:contentTypeDescription="Create a new document." ma:contentTypeScope="" ma:versionID="d9562fcd9a789932d32881e5d97998f6">
   <xsd:schema xmlns:xsd="http://www.w3.org/2001/XMLSchema" xmlns:p="http://schemas.microsoft.com/office/2006/metadata/properties" targetNamespace="http://schemas.microsoft.com/office/2006/metadata/properties" ma:root="true" ma:fieldsID="4aeb20c0e3442673af7ee10786458764">
     <xsd:element name="properties">
@@ -30011,12 +29966,6 @@
 </ct:contentTypeSchema>
 </file>
 
-<file path=customXml/item2.xml><?xml version="1.0" encoding="utf-8"?>
-<p:properties xmlns:p="http://schemas.microsoft.com/office/2006/metadata/properties" xmlns:xsi="http://www.w3.org/2001/XMLSchema-instance">
-  <documentManagement/>
-</p:properties>
-</file>
-
 <file path=customXml/item3.xml><?xml version="1.0" encoding="utf-8"?>
 <?mso-contentType ?>
 <FormTemplates xmlns="http://schemas.microsoft.com/sharepoint/v3/contenttype/forms">
@@ -30027,6 +29976,20 @@
 </file>
 
 <file path=customXml/itemProps1.xml><?xml version="1.0" encoding="utf-8"?>
+<ds:datastoreItem xmlns:ds="http://schemas.openxmlformats.org/officeDocument/2006/customXml" ds:itemID="{A2C78187-E5A0-4170-8DBC-2EE9F3CD5599}">
+  <ds:schemaRefs>
+    <ds:schemaRef ds:uri="http://purl.org/dc/terms/"/>
+    <ds:schemaRef ds:uri="http://schemas.openxmlformats.org/package/2006/metadata/core-properties"/>
+    <ds:schemaRef ds:uri="http://schemas.microsoft.com/office/2006/documentManagement/types"/>
+    <ds:schemaRef ds:uri="http://purl.org/dc/dcmitype/"/>
+    <ds:schemaRef ds:uri="http://purl.org/dc/elements/1.1/"/>
+    <ds:schemaRef ds:uri="http://schemas.microsoft.com/office/2006/metadata/properties"/>
+    <ds:schemaRef ds:uri="http://www.w3.org/XML/1998/namespace"/>
+  </ds:schemaRefs>
+</ds:datastoreItem>
+</file>
+
+<file path=customXml/itemProps2.xml><?xml version="1.0" encoding="utf-8"?>
 <ds:datastoreItem xmlns:ds="http://schemas.openxmlformats.org/officeDocument/2006/customXml" ds:itemID="{13880891-4977-49BD-939C-BE16146439C5}">
   <ds:schemaRefs>
     <ds:schemaRef ds:uri="http://schemas.microsoft.com/office/2006/metadata/contentType"/>
@@ -30041,20 +30004,6 @@
 </ds:datastoreItem>
 </file>
 
-<file path=customXml/itemProps2.xml><?xml version="1.0" encoding="utf-8"?>
-<ds:datastoreItem xmlns:ds="http://schemas.openxmlformats.org/officeDocument/2006/customXml" ds:itemID="{A2C78187-E5A0-4170-8DBC-2EE9F3CD5599}">
-  <ds:schemaRefs>
-    <ds:schemaRef ds:uri="http://purl.org/dc/elements/1.1/"/>
-    <ds:schemaRef ds:uri="http://schemas.microsoft.com/office/2006/documentManagement/types"/>
-    <ds:schemaRef ds:uri="http://purl.org/dc/terms/"/>
-    <ds:schemaRef ds:uri="http://www.w3.org/XML/1998/namespace"/>
-    <ds:schemaRef ds:uri="http://schemas.openxmlformats.org/package/2006/metadata/core-properties"/>
-    <ds:schemaRef ds:uri="http://purl.org/dc/dcmitype/"/>
-    <ds:schemaRef ds:uri="http://schemas.microsoft.com/office/2006/metadata/properties"/>
-  </ds:schemaRefs>
-</ds:datastoreItem>
-</file>
-
 <file path=customXml/itemProps3.xml><?xml version="1.0" encoding="utf-8"?>
 <ds:datastoreItem xmlns:ds="http://schemas.openxmlformats.org/officeDocument/2006/customXml" ds:itemID="{99E82568-E661-4632-B8BD-288AD239F6CD}">
   <ds:schemaRefs>
